--- a/3D Driving Car/meet_0925.pptx
+++ b/3D Driving Car/meet_0925.pptx
@@ -14,13 +14,15 @@
     <p:sldId id="265" r:id="rId8"/>
     <p:sldId id="266" r:id="rId9"/>
     <p:sldId id="267" r:id="rId10"/>
-    <p:sldId id="268" r:id="rId11"/>
-    <p:sldId id="269" r:id="rId12"/>
+    <p:sldId id="269" r:id="rId11"/>
+    <p:sldId id="268" r:id="rId12"/>
     <p:sldId id="270" r:id="rId13"/>
     <p:sldId id="271" r:id="rId14"/>
     <p:sldId id="272" r:id="rId15"/>
     <p:sldId id="260" r:id="rId16"/>
-    <p:sldId id="258" r:id="rId17"/>
+    <p:sldId id="273" r:id="rId17"/>
+    <p:sldId id="274" r:id="rId18"/>
+    <p:sldId id="258" r:id="rId19"/>
   </p:sldIdLst>
   <p:sldSz cx="12192000" cy="6858000"/>
   <p:notesSz cx="6858000" cy="9144000"/>
@@ -119,6 +121,11 @@
       </a:defRPr>
     </a:lvl9pPr>
   </p:defaultTextStyle>
+  <p:extLst>
+    <p:ext uri="{EFAFB233-063F-42B5-8137-9DF3F51BA10A}">
+      <p15:sldGuideLst xmlns:p15="http://schemas.microsoft.com/office/powerpoint/2012/main"/>
+    </p:ext>
+  </p:extLst>
 </p:presentation>
 </file>
 
@@ -253,7 +260,7 @@
           <a:p>
             <a:fld id="{92D81144-4EC9-6645-BD86-B31908C7107A}" type="datetimeFigureOut">
               <a:rPr kumimoji="1" lang="zh-TW" altLang="en-US" smtClean="0"/>
-              <a:t>2017/9/23</a:t>
+              <a:t>2017/9/24</a:t>
             </a:fld>
             <a:endParaRPr kumimoji="1" lang="zh-TW" altLang="en-US"/>
           </a:p>
@@ -423,7 +430,7 @@
           <a:p>
             <a:fld id="{92D81144-4EC9-6645-BD86-B31908C7107A}" type="datetimeFigureOut">
               <a:rPr kumimoji="1" lang="zh-TW" altLang="en-US" smtClean="0"/>
-              <a:t>2017/9/23</a:t>
+              <a:t>2017/9/24</a:t>
             </a:fld>
             <a:endParaRPr kumimoji="1" lang="zh-TW" altLang="en-US"/>
           </a:p>
@@ -603,7 +610,7 @@
           <a:p>
             <a:fld id="{92D81144-4EC9-6645-BD86-B31908C7107A}" type="datetimeFigureOut">
               <a:rPr kumimoji="1" lang="zh-TW" altLang="en-US" smtClean="0"/>
-              <a:t>2017/9/23</a:t>
+              <a:t>2017/9/24</a:t>
             </a:fld>
             <a:endParaRPr kumimoji="1" lang="zh-TW" altLang="en-US"/>
           </a:p>
@@ -773,7 +780,7 @@
           <a:p>
             <a:fld id="{92D81144-4EC9-6645-BD86-B31908C7107A}" type="datetimeFigureOut">
               <a:rPr kumimoji="1" lang="zh-TW" altLang="en-US" smtClean="0"/>
-              <a:t>2017/9/23</a:t>
+              <a:t>2017/9/24</a:t>
             </a:fld>
             <a:endParaRPr kumimoji="1" lang="zh-TW" altLang="en-US"/>
           </a:p>
@@ -1019,7 +1026,7 @@
           <a:p>
             <a:fld id="{92D81144-4EC9-6645-BD86-B31908C7107A}" type="datetimeFigureOut">
               <a:rPr kumimoji="1" lang="zh-TW" altLang="en-US" smtClean="0"/>
-              <a:t>2017/9/23</a:t>
+              <a:t>2017/9/24</a:t>
             </a:fld>
             <a:endParaRPr kumimoji="1" lang="zh-TW" altLang="en-US"/>
           </a:p>
@@ -1251,7 +1258,7 @@
           <a:p>
             <a:fld id="{92D81144-4EC9-6645-BD86-B31908C7107A}" type="datetimeFigureOut">
               <a:rPr kumimoji="1" lang="zh-TW" altLang="en-US" smtClean="0"/>
-              <a:t>2017/9/23</a:t>
+              <a:t>2017/9/24</a:t>
             </a:fld>
             <a:endParaRPr kumimoji="1" lang="zh-TW" altLang="en-US"/>
           </a:p>
@@ -1618,7 +1625,7 @@
           <a:p>
             <a:fld id="{92D81144-4EC9-6645-BD86-B31908C7107A}" type="datetimeFigureOut">
               <a:rPr kumimoji="1" lang="zh-TW" altLang="en-US" smtClean="0"/>
-              <a:t>2017/9/23</a:t>
+              <a:t>2017/9/24</a:t>
             </a:fld>
             <a:endParaRPr kumimoji="1" lang="zh-TW" altLang="en-US"/>
           </a:p>
@@ -1736,7 +1743,7 @@
           <a:p>
             <a:fld id="{92D81144-4EC9-6645-BD86-B31908C7107A}" type="datetimeFigureOut">
               <a:rPr kumimoji="1" lang="zh-TW" altLang="en-US" smtClean="0"/>
-              <a:t>2017/9/23</a:t>
+              <a:t>2017/9/24</a:t>
             </a:fld>
             <a:endParaRPr kumimoji="1" lang="zh-TW" altLang="en-US"/>
           </a:p>
@@ -1831,7 +1838,7 @@
           <a:p>
             <a:fld id="{92D81144-4EC9-6645-BD86-B31908C7107A}" type="datetimeFigureOut">
               <a:rPr kumimoji="1" lang="zh-TW" altLang="en-US" smtClean="0"/>
-              <a:t>2017/9/23</a:t>
+              <a:t>2017/9/24</a:t>
             </a:fld>
             <a:endParaRPr kumimoji="1" lang="zh-TW" altLang="en-US"/>
           </a:p>
@@ -2108,7 +2115,7 @@
           <a:p>
             <a:fld id="{92D81144-4EC9-6645-BD86-B31908C7107A}" type="datetimeFigureOut">
               <a:rPr kumimoji="1" lang="zh-TW" altLang="en-US" smtClean="0"/>
-              <a:t>2017/9/23</a:t>
+              <a:t>2017/9/24</a:t>
             </a:fld>
             <a:endParaRPr kumimoji="1" lang="zh-TW" altLang="en-US"/>
           </a:p>
@@ -2361,7 +2368,7 @@
           <a:p>
             <a:fld id="{92D81144-4EC9-6645-BD86-B31908C7107A}" type="datetimeFigureOut">
               <a:rPr kumimoji="1" lang="zh-TW" altLang="en-US" smtClean="0"/>
-              <a:t>2017/9/23</a:t>
+              <a:t>2017/9/24</a:t>
             </a:fld>
             <a:endParaRPr kumimoji="1" lang="zh-TW" altLang="en-US"/>
           </a:p>
@@ -2574,7 +2581,7 @@
           <a:p>
             <a:fld id="{92D81144-4EC9-6645-BD86-B31908C7107A}" type="datetimeFigureOut">
               <a:rPr kumimoji="1" lang="zh-TW" altLang="en-US" smtClean="0"/>
-              <a:t>2017/9/23</a:t>
+              <a:t>2017/9/24</a:t>
             </a:fld>
             <a:endParaRPr kumimoji="1" lang="zh-TW" altLang="en-US"/>
           </a:p>
@@ -3060,6 +3067,178 @@
           <a:chExt cx="0" cy="0"/>
         </a:xfrm>
       </p:grpSpPr>
+      <p:sp>
+        <p:nvSpPr>
+          <p:cNvPr id="2" name="標題 1"/>
+          <p:cNvSpPr>
+            <a:spLocks noGrp="1"/>
+          </p:cNvSpPr>
+          <p:nvPr>
+            <p:ph type="title"/>
+          </p:nvPr>
+        </p:nvSpPr>
+        <p:spPr>
+          <a:xfrm>
+            <a:off x="838200" y="209345"/>
+            <a:ext cx="10515600" cy="1325563"/>
+          </a:xfrm>
+        </p:spPr>
+        <p:txBody>
+          <a:bodyPr/>
+          <a:lstStyle/>
+          <a:p>
+            <a:pPr algn="ctr"/>
+            <a:r>
+              <a:rPr kumimoji="1" lang="en-US" altLang="zh-TW" dirty="0" smtClean="0"/>
+              <a:t>Network</a:t>
+            </a:r>
+            <a:endParaRPr kumimoji="1" lang="zh-TW" altLang="en-US" dirty="0"/>
+          </a:p>
+        </p:txBody>
+      </p:sp>
+      <p:pic>
+        <p:nvPicPr>
+          <p:cNvPr id="4" name="圖片 3"/>
+          <p:cNvPicPr>
+            <a:picLocks noChangeAspect="1"/>
+          </p:cNvPicPr>
+          <p:nvPr/>
+        </p:nvPicPr>
+        <p:blipFill>
+          <a:blip r:embed="rId2"/>
+          <a:stretch>
+            <a:fillRect/>
+          </a:stretch>
+        </p:blipFill>
+        <p:spPr>
+          <a:xfrm>
+            <a:off x="2940050" y="1930572"/>
+            <a:ext cx="6311900" cy="4356100"/>
+          </a:xfrm>
+          <a:prstGeom prst="rect">
+            <a:avLst/>
+          </a:prstGeom>
+        </p:spPr>
+      </p:pic>
+      <p:sp>
+        <p:nvSpPr>
+          <p:cNvPr id="5" name="矩形 4"/>
+          <p:cNvSpPr/>
+          <p:nvPr/>
+        </p:nvSpPr>
+        <p:spPr>
+          <a:xfrm>
+            <a:off x="3472249" y="1729946"/>
+            <a:ext cx="4893275" cy="1581665"/>
+          </a:xfrm>
+          <a:prstGeom prst="rect">
+            <a:avLst/>
+          </a:prstGeom>
+          <a:noFill/>
+          <a:ln w="38100">
+            <a:solidFill>
+              <a:srgbClr val="FF0000"/>
+            </a:solidFill>
+          </a:ln>
+        </p:spPr>
+        <p:style>
+          <a:lnRef idx="2">
+            <a:schemeClr val="dk1"/>
+          </a:lnRef>
+          <a:fillRef idx="1">
+            <a:schemeClr val="lt1"/>
+          </a:fillRef>
+          <a:effectRef idx="0">
+            <a:schemeClr val="dk1"/>
+          </a:effectRef>
+          <a:fontRef idx="minor">
+            <a:schemeClr val="dk1"/>
+          </a:fontRef>
+        </p:style>
+        <p:txBody>
+          <a:bodyPr rtlCol="0" anchor="ctr"/>
+          <a:lstStyle/>
+          <a:p>
+            <a:pPr algn="ctr"/>
+            <a:endParaRPr kumimoji="1" lang="zh-TW" altLang="en-US"/>
+          </a:p>
+        </p:txBody>
+      </p:sp>
+      <p:sp>
+        <p:nvSpPr>
+          <p:cNvPr id="6" name="文字方塊 5"/>
+          <p:cNvSpPr txBox="1"/>
+          <p:nvPr/>
+        </p:nvSpPr>
+        <p:spPr>
+          <a:xfrm>
+            <a:off x="4646140" y="1930572"/>
+            <a:ext cx="2545492" cy="523220"/>
+          </a:xfrm>
+          <a:prstGeom prst="rect">
+            <a:avLst/>
+          </a:prstGeom>
+          <a:noFill/>
+        </p:spPr>
+        <p:txBody>
+          <a:bodyPr wrap="square" rtlCol="0">
+            <a:spAutoFit/>
+          </a:bodyPr>
+          <a:lstStyle/>
+          <a:p>
+            <a:r>
+              <a:rPr kumimoji="1" lang="en-US" altLang="zh-TW" sz="2800" dirty="0" smtClean="0">
+                <a:solidFill>
+                  <a:srgbClr val="FF0000"/>
+                </a:solidFill>
+              </a:rPr>
+              <a:t>VGG without FC</a:t>
+            </a:r>
+            <a:endParaRPr kumimoji="1" lang="zh-TW" altLang="en-US" sz="2800" dirty="0">
+              <a:solidFill>
+                <a:srgbClr val="FF0000"/>
+              </a:solidFill>
+            </a:endParaRPr>
+          </a:p>
+        </p:txBody>
+      </p:sp>
+    </p:spTree>
+    <p:extLst>
+      <p:ext uri="{BB962C8B-B14F-4D97-AF65-F5344CB8AC3E}">
+        <p14:creationId xmlns:p14="http://schemas.microsoft.com/office/powerpoint/2010/main" val="187855382"/>
+      </p:ext>
+    </p:extLst>
+  </p:cSld>
+  <p:clrMapOvr>
+    <a:masterClrMapping/>
+  </p:clrMapOvr>
+  <p:timing>
+    <p:tnLst>
+      <p:par>
+        <p:cTn id="1" dur="indefinite" restart="never" nodeType="tmRoot"/>
+      </p:par>
+    </p:tnLst>
+  </p:timing>
+</p:sld>
+</file>
+
+<file path=ppt/slides/slide11.xml><?xml version="1.0" encoding="utf-8"?>
+<p:sld xmlns:a="http://schemas.openxmlformats.org/drawingml/2006/main" xmlns:r="http://schemas.openxmlformats.org/officeDocument/2006/relationships" xmlns:p="http://schemas.openxmlformats.org/presentationml/2006/main">
+  <p:cSld>
+    <p:spTree>
+      <p:nvGrpSpPr>
+        <p:cNvPr id="1" name=""/>
+        <p:cNvGrpSpPr/>
+        <p:nvPr/>
+      </p:nvGrpSpPr>
+      <p:grpSpPr>
+        <a:xfrm>
+          <a:off x="0" y="0"/>
+          <a:ext cx="0" cy="0"/>
+          <a:chOff x="0" y="0"/>
+          <a:chExt cx="0" cy="0"/>
+        </a:xfrm>
+      </p:grpSpPr>
       <p:pic>
         <p:nvPicPr>
           <p:cNvPr id="4" name="圖片 3"/>
@@ -3281,178 +3460,6 @@
 </p:sld>
 </file>
 
-<file path=ppt/slides/slide11.xml><?xml version="1.0" encoding="utf-8"?>
-<p:sld xmlns:a="http://schemas.openxmlformats.org/drawingml/2006/main" xmlns:r="http://schemas.openxmlformats.org/officeDocument/2006/relationships" xmlns:p="http://schemas.openxmlformats.org/presentationml/2006/main">
-  <p:cSld>
-    <p:spTree>
-      <p:nvGrpSpPr>
-        <p:cNvPr id="1" name=""/>
-        <p:cNvGrpSpPr/>
-        <p:nvPr/>
-      </p:nvGrpSpPr>
-      <p:grpSpPr>
-        <a:xfrm>
-          <a:off x="0" y="0"/>
-          <a:ext cx="0" cy="0"/>
-          <a:chOff x="0" y="0"/>
-          <a:chExt cx="0" cy="0"/>
-        </a:xfrm>
-      </p:grpSpPr>
-      <p:sp>
-        <p:nvSpPr>
-          <p:cNvPr id="2" name="標題 1"/>
-          <p:cNvSpPr>
-            <a:spLocks noGrp="1"/>
-          </p:cNvSpPr>
-          <p:nvPr>
-            <p:ph type="title"/>
-          </p:nvPr>
-        </p:nvSpPr>
-        <p:spPr>
-          <a:xfrm>
-            <a:off x="838200" y="209345"/>
-            <a:ext cx="10515600" cy="1325563"/>
-          </a:xfrm>
-        </p:spPr>
-        <p:txBody>
-          <a:bodyPr/>
-          <a:lstStyle/>
-          <a:p>
-            <a:pPr algn="ctr"/>
-            <a:r>
-              <a:rPr kumimoji="1" lang="en-US" altLang="zh-TW" dirty="0" smtClean="0"/>
-              <a:t>Network</a:t>
-            </a:r>
-            <a:endParaRPr kumimoji="1" lang="zh-TW" altLang="en-US" dirty="0"/>
-          </a:p>
-        </p:txBody>
-      </p:sp>
-      <p:pic>
-        <p:nvPicPr>
-          <p:cNvPr id="4" name="圖片 3"/>
-          <p:cNvPicPr>
-            <a:picLocks noChangeAspect="1"/>
-          </p:cNvPicPr>
-          <p:nvPr/>
-        </p:nvPicPr>
-        <p:blipFill>
-          <a:blip r:embed="rId2"/>
-          <a:stretch>
-            <a:fillRect/>
-          </a:stretch>
-        </p:blipFill>
-        <p:spPr>
-          <a:xfrm>
-            <a:off x="2940050" y="1930572"/>
-            <a:ext cx="6311900" cy="4356100"/>
-          </a:xfrm>
-          <a:prstGeom prst="rect">
-            <a:avLst/>
-          </a:prstGeom>
-        </p:spPr>
-      </p:pic>
-      <p:sp>
-        <p:nvSpPr>
-          <p:cNvPr id="5" name="矩形 4"/>
-          <p:cNvSpPr/>
-          <p:nvPr/>
-        </p:nvSpPr>
-        <p:spPr>
-          <a:xfrm>
-            <a:off x="3472249" y="1729946"/>
-            <a:ext cx="4893275" cy="1581665"/>
-          </a:xfrm>
-          <a:prstGeom prst="rect">
-            <a:avLst/>
-          </a:prstGeom>
-          <a:noFill/>
-          <a:ln w="38100">
-            <a:solidFill>
-              <a:srgbClr val="FF0000"/>
-            </a:solidFill>
-          </a:ln>
-        </p:spPr>
-        <p:style>
-          <a:lnRef idx="2">
-            <a:schemeClr val="dk1"/>
-          </a:lnRef>
-          <a:fillRef idx="1">
-            <a:schemeClr val="lt1"/>
-          </a:fillRef>
-          <a:effectRef idx="0">
-            <a:schemeClr val="dk1"/>
-          </a:effectRef>
-          <a:fontRef idx="minor">
-            <a:schemeClr val="dk1"/>
-          </a:fontRef>
-        </p:style>
-        <p:txBody>
-          <a:bodyPr rtlCol="0" anchor="ctr"/>
-          <a:lstStyle/>
-          <a:p>
-            <a:pPr algn="ctr"/>
-            <a:endParaRPr kumimoji="1" lang="zh-TW" altLang="en-US"/>
-          </a:p>
-        </p:txBody>
-      </p:sp>
-      <p:sp>
-        <p:nvSpPr>
-          <p:cNvPr id="6" name="文字方塊 5"/>
-          <p:cNvSpPr txBox="1"/>
-          <p:nvPr/>
-        </p:nvSpPr>
-        <p:spPr>
-          <a:xfrm>
-            <a:off x="4646140" y="1930572"/>
-            <a:ext cx="2545492" cy="523220"/>
-          </a:xfrm>
-          <a:prstGeom prst="rect">
-            <a:avLst/>
-          </a:prstGeom>
-          <a:noFill/>
-        </p:spPr>
-        <p:txBody>
-          <a:bodyPr wrap="square" rtlCol="0">
-            <a:spAutoFit/>
-          </a:bodyPr>
-          <a:lstStyle/>
-          <a:p>
-            <a:r>
-              <a:rPr kumimoji="1" lang="en-US" altLang="zh-TW" sz="2800" dirty="0" smtClean="0">
-                <a:solidFill>
-                  <a:srgbClr val="FF0000"/>
-                </a:solidFill>
-              </a:rPr>
-              <a:t>VGG without FC</a:t>
-            </a:r>
-            <a:endParaRPr kumimoji="1" lang="zh-TW" altLang="en-US" sz="2800" dirty="0">
-              <a:solidFill>
-                <a:srgbClr val="FF0000"/>
-              </a:solidFill>
-            </a:endParaRPr>
-          </a:p>
-        </p:txBody>
-      </p:sp>
-    </p:spTree>
-    <p:extLst>
-      <p:ext uri="{BB962C8B-B14F-4D97-AF65-F5344CB8AC3E}">
-        <p14:creationId xmlns:p14="http://schemas.microsoft.com/office/powerpoint/2010/main" val="187855382"/>
-      </p:ext>
-    </p:extLst>
-  </p:cSld>
-  <p:clrMapOvr>
-    <a:masterClrMapping/>
-  </p:clrMapOvr>
-  <p:timing>
-    <p:tnLst>
-      <p:par>
-        <p:cTn id="1" dur="indefinite" restart="never" nodeType="tmRoot"/>
-      </p:par>
-    </p:tnLst>
-  </p:timing>
-</p:sld>
-</file>
-
 <file path=ppt/slides/slide12.xml><?xml version="1.0" encoding="utf-8"?>
 <p:sld xmlns:a="http://schemas.openxmlformats.org/drawingml/2006/main" xmlns:r="http://schemas.openxmlformats.org/officeDocument/2006/relationships" xmlns:p="http://schemas.openxmlformats.org/presentationml/2006/main">
   <p:cSld>
@@ -4003,6 +4010,140 @@
           <a:chExt cx="0" cy="0"/>
         </a:xfrm>
       </p:grpSpPr>
+      <p:pic>
+        <p:nvPicPr>
+          <p:cNvPr id="4" name="圖片 3"/>
+          <p:cNvPicPr>
+            <a:picLocks noChangeAspect="1"/>
+          </p:cNvPicPr>
+          <p:nvPr/>
+        </p:nvPicPr>
+        <p:blipFill>
+          <a:blip r:embed="rId2">
+            <a:extLst>
+              <a:ext uri="{28A0092B-C50C-407E-A947-70E740481C1C}">
+                <a14:useLocalDpi xmlns:a14="http://schemas.microsoft.com/office/drawing/2010/main" val="0"/>
+              </a:ext>
+            </a:extLst>
+          </a:blip>
+          <a:stretch>
+            <a:fillRect/>
+          </a:stretch>
+        </p:blipFill>
+        <p:spPr>
+          <a:xfrm>
+            <a:off x="2085546" y="354616"/>
+            <a:ext cx="7898713" cy="6195256"/>
+          </a:xfrm>
+          <a:prstGeom prst="rect">
+            <a:avLst/>
+          </a:prstGeom>
+        </p:spPr>
+      </p:pic>
+    </p:spTree>
+    <p:extLst>
+      <p:ext uri="{BB962C8B-B14F-4D97-AF65-F5344CB8AC3E}">
+        <p14:creationId xmlns:p14="http://schemas.microsoft.com/office/powerpoint/2010/main" val="827293553"/>
+      </p:ext>
+    </p:extLst>
+  </p:cSld>
+  <p:clrMapOvr>
+    <a:masterClrMapping/>
+  </p:clrMapOvr>
+  <p:timing>
+    <p:tnLst>
+      <p:par>
+        <p:cTn id="1" dur="indefinite" restart="never" nodeType="tmRoot"/>
+      </p:par>
+    </p:tnLst>
+  </p:timing>
+</p:sld>
+</file>
+
+<file path=ppt/slides/slide17.xml><?xml version="1.0" encoding="utf-8"?>
+<p:sld xmlns:a="http://schemas.openxmlformats.org/drawingml/2006/main" xmlns:r="http://schemas.openxmlformats.org/officeDocument/2006/relationships" xmlns:p="http://schemas.openxmlformats.org/presentationml/2006/main">
+  <p:cSld>
+    <p:spTree>
+      <p:nvGrpSpPr>
+        <p:cNvPr id="1" name=""/>
+        <p:cNvGrpSpPr/>
+        <p:nvPr/>
+      </p:nvGrpSpPr>
+      <p:grpSpPr>
+        <a:xfrm>
+          <a:off x="0" y="0"/>
+          <a:ext cx="0" cy="0"/>
+          <a:chOff x="0" y="0"/>
+          <a:chExt cx="0" cy="0"/>
+        </a:xfrm>
+      </p:grpSpPr>
+      <p:pic>
+        <p:nvPicPr>
+          <p:cNvPr id="4" name="圖片 3"/>
+          <p:cNvPicPr>
+            <a:picLocks noChangeAspect="1"/>
+          </p:cNvPicPr>
+          <p:nvPr/>
+        </p:nvPicPr>
+        <p:blipFill>
+          <a:blip r:embed="rId2">
+            <a:extLst>
+              <a:ext uri="{28A0092B-C50C-407E-A947-70E740481C1C}">
+                <a14:useLocalDpi xmlns:a14="http://schemas.microsoft.com/office/drawing/2010/main" val="0"/>
+              </a:ext>
+            </a:extLst>
+          </a:blip>
+          <a:stretch>
+            <a:fillRect/>
+          </a:stretch>
+        </p:blipFill>
+        <p:spPr>
+          <a:xfrm>
+            <a:off x="2323070" y="396561"/>
+            <a:ext cx="7502271" cy="6078380"/>
+          </a:xfrm>
+          <a:prstGeom prst="rect">
+            <a:avLst/>
+          </a:prstGeom>
+        </p:spPr>
+      </p:pic>
+    </p:spTree>
+    <p:extLst>
+      <p:ext uri="{BB962C8B-B14F-4D97-AF65-F5344CB8AC3E}">
+        <p14:creationId xmlns:p14="http://schemas.microsoft.com/office/powerpoint/2010/main" val="1299600445"/>
+      </p:ext>
+    </p:extLst>
+  </p:cSld>
+  <p:clrMapOvr>
+    <a:masterClrMapping/>
+  </p:clrMapOvr>
+  <p:timing>
+    <p:tnLst>
+      <p:par>
+        <p:cTn id="1" dur="indefinite" restart="never" nodeType="tmRoot"/>
+      </p:par>
+    </p:tnLst>
+  </p:timing>
+</p:sld>
+</file>
+
+<file path=ppt/slides/slide18.xml><?xml version="1.0" encoding="utf-8"?>
+<p:sld xmlns:a="http://schemas.openxmlformats.org/drawingml/2006/main" xmlns:r="http://schemas.openxmlformats.org/officeDocument/2006/relationships" xmlns:p="http://schemas.openxmlformats.org/presentationml/2006/main">
+  <p:cSld>
+    <p:spTree>
+      <p:nvGrpSpPr>
+        <p:cNvPr id="1" name=""/>
+        <p:cNvGrpSpPr/>
+        <p:nvPr/>
+      </p:nvGrpSpPr>
+      <p:grpSpPr>
+        <a:xfrm>
+          <a:off x="0" y="0"/>
+          <a:ext cx="0" cy="0"/>
+          <a:chOff x="0" y="0"/>
+          <a:chExt cx="0" cy="0"/>
+        </a:xfrm>
+      </p:grpSpPr>
       <p:sp>
         <p:nvSpPr>
           <p:cNvPr id="2" name="標題 1"/>
@@ -4058,7 +4199,6 @@
               <a:rPr kumimoji="1" lang="en-US" altLang="zh-TW" dirty="0" smtClean="0"/>
               <a:t>Bird’s eye view semantic segmentation</a:t>
             </a:r>
-            <a:endParaRPr kumimoji="1" lang="en-US" altLang="zh-TW" dirty="0" smtClean="0"/>
           </a:p>
           <a:p>
             <a:endParaRPr kumimoji="1" lang="en-US" altLang="zh-TW" dirty="0" smtClean="0"/>

--- a/3D Driving Car/meet_0925.pptx
+++ b/3D Driving Car/meet_0925.pptx
@@ -3973,6 +3973,36 @@
           </a:p>
         </p:txBody>
       </p:sp>
+      <p:pic>
+        <p:nvPicPr>
+          <p:cNvPr id="4" name="圖片 3"/>
+          <p:cNvPicPr>
+            <a:picLocks noChangeAspect="1"/>
+          </p:cNvPicPr>
+          <p:nvPr/>
+        </p:nvPicPr>
+        <p:blipFill>
+          <a:blip r:embed="rId2">
+            <a:extLst>
+              <a:ext uri="{28A0092B-C50C-407E-A947-70E740481C1C}">
+                <a14:useLocalDpi xmlns:a14="http://schemas.microsoft.com/office/drawing/2010/main" val="0"/>
+              </a:ext>
+            </a:extLst>
+          </a:blip>
+          <a:stretch>
+            <a:fillRect/>
+          </a:stretch>
+        </p:blipFill>
+        <p:spPr>
+          <a:xfrm>
+            <a:off x="8136328" y="2578894"/>
+            <a:ext cx="2844800" cy="2844800"/>
+          </a:xfrm>
+          <a:prstGeom prst="rect">
+            <a:avLst/>
+          </a:prstGeom>
+        </p:spPr>
+      </p:pic>
     </p:spTree>
     <p:extLst>
       <p:ext uri="{BB962C8B-B14F-4D97-AF65-F5344CB8AC3E}">

--- a/3D Driving Car/meet_0925.pptx
+++ b/3D Driving Car/meet_0925.pptx
@@ -4,6 +4,9 @@
   <p:sldMasterIdLst>
     <p:sldMasterId id="2147483648" r:id="rId1"/>
   </p:sldMasterIdLst>
+  <p:notesMasterIdLst>
+    <p:notesMasterId r:id="rId24"/>
+  </p:notesMasterIdLst>
   <p:sldIdLst>
     <p:sldId id="256" r:id="rId2"/>
     <p:sldId id="257" r:id="rId3"/>
@@ -15,14 +18,18 @@
     <p:sldId id="266" r:id="rId9"/>
     <p:sldId id="267" r:id="rId10"/>
     <p:sldId id="269" r:id="rId11"/>
-    <p:sldId id="268" r:id="rId12"/>
-    <p:sldId id="270" r:id="rId13"/>
-    <p:sldId id="271" r:id="rId14"/>
-    <p:sldId id="272" r:id="rId15"/>
-    <p:sldId id="260" r:id="rId16"/>
+    <p:sldId id="270" r:id="rId12"/>
+    <p:sldId id="271" r:id="rId13"/>
+    <p:sldId id="272" r:id="rId14"/>
+    <p:sldId id="260" r:id="rId15"/>
+    <p:sldId id="268" r:id="rId16"/>
     <p:sldId id="273" r:id="rId17"/>
     <p:sldId id="274" r:id="rId18"/>
-    <p:sldId id="258" r:id="rId19"/>
+    <p:sldId id="275" r:id="rId19"/>
+    <p:sldId id="276" r:id="rId20"/>
+    <p:sldId id="278" r:id="rId21"/>
+    <p:sldId id="277" r:id="rId22"/>
+    <p:sldId id="258" r:id="rId23"/>
   </p:sldIdLst>
   <p:sldSz cx="12192000" cy="6858000"/>
   <p:notesSz cx="6858000" cy="9144000"/>
@@ -129,6 +136,448 @@
 </p:presentation>
 </file>
 
+<file path=ppt/notesMasters/notesMaster1.xml><?xml version="1.0" encoding="utf-8"?>
+<p:notesMaster xmlns:a="http://schemas.openxmlformats.org/drawingml/2006/main" xmlns:r="http://schemas.openxmlformats.org/officeDocument/2006/relationships" xmlns:p="http://schemas.openxmlformats.org/presentationml/2006/main">
+  <p:cSld>
+    <p:bg>
+      <p:bgRef idx="1001">
+        <a:schemeClr val="bg1"/>
+      </p:bgRef>
+    </p:bg>
+    <p:spTree>
+      <p:nvGrpSpPr>
+        <p:cNvPr id="1" name=""/>
+        <p:cNvGrpSpPr/>
+        <p:nvPr/>
+      </p:nvGrpSpPr>
+      <p:grpSpPr>
+        <a:xfrm>
+          <a:off x="0" y="0"/>
+          <a:ext cx="0" cy="0"/>
+          <a:chOff x="0" y="0"/>
+          <a:chExt cx="0" cy="0"/>
+        </a:xfrm>
+      </p:grpSpPr>
+      <p:sp>
+        <p:nvSpPr>
+          <p:cNvPr id="2" name="頁首版面配置區 1"/>
+          <p:cNvSpPr>
+            <a:spLocks noGrp="1"/>
+          </p:cNvSpPr>
+          <p:nvPr>
+            <p:ph type="hdr" sz="quarter"/>
+          </p:nvPr>
+        </p:nvSpPr>
+        <p:spPr>
+          <a:xfrm>
+            <a:off x="0" y="0"/>
+            <a:ext cx="2971800" cy="458788"/>
+          </a:xfrm>
+          <a:prstGeom prst="rect">
+            <a:avLst/>
+          </a:prstGeom>
+        </p:spPr>
+        <p:txBody>
+          <a:bodyPr vert="horz" lIns="91440" tIns="45720" rIns="91440" bIns="45720" rtlCol="0"/>
+          <a:lstStyle>
+            <a:lvl1pPr algn="l">
+              <a:defRPr sz="1200"/>
+            </a:lvl1pPr>
+          </a:lstStyle>
+          <a:p>
+            <a:endParaRPr kumimoji="1" lang="zh-TW" altLang="en-US"/>
+          </a:p>
+        </p:txBody>
+      </p:sp>
+      <p:sp>
+        <p:nvSpPr>
+          <p:cNvPr id="3" name="日期版面配置區 2"/>
+          <p:cNvSpPr>
+            <a:spLocks noGrp="1"/>
+          </p:cNvSpPr>
+          <p:nvPr>
+            <p:ph type="dt" idx="1"/>
+          </p:nvPr>
+        </p:nvSpPr>
+        <p:spPr>
+          <a:xfrm>
+            <a:off x="3884613" y="0"/>
+            <a:ext cx="2971800" cy="458788"/>
+          </a:xfrm>
+          <a:prstGeom prst="rect">
+            <a:avLst/>
+          </a:prstGeom>
+        </p:spPr>
+        <p:txBody>
+          <a:bodyPr vert="horz" lIns="91440" tIns="45720" rIns="91440" bIns="45720" rtlCol="0"/>
+          <a:lstStyle>
+            <a:lvl1pPr algn="r">
+              <a:defRPr sz="1200"/>
+            </a:lvl1pPr>
+          </a:lstStyle>
+          <a:p>
+            <a:fld id="{BFB35827-0E3D-554A-8648-D995894D4BD0}" type="datetimeFigureOut">
+              <a:rPr kumimoji="1" lang="zh-TW" altLang="en-US" smtClean="0"/>
+              <a:t>2017/10/2</a:t>
+            </a:fld>
+            <a:endParaRPr kumimoji="1" lang="zh-TW" altLang="en-US"/>
+          </a:p>
+        </p:txBody>
+      </p:sp>
+      <p:sp>
+        <p:nvSpPr>
+          <p:cNvPr id="4" name="投影片影像版面配置區 3"/>
+          <p:cNvSpPr>
+            <a:spLocks noGrp="1" noRot="1" noChangeAspect="1"/>
+          </p:cNvSpPr>
+          <p:nvPr>
+            <p:ph type="sldImg" idx="2"/>
+          </p:nvPr>
+        </p:nvSpPr>
+        <p:spPr>
+          <a:xfrm>
+            <a:off x="685800" y="1143000"/>
+            <a:ext cx="5486400" cy="3086100"/>
+          </a:xfrm>
+          <a:prstGeom prst="rect">
+            <a:avLst/>
+          </a:prstGeom>
+          <a:noFill/>
+          <a:ln w="12700">
+            <a:solidFill>
+              <a:prstClr val="black"/>
+            </a:solidFill>
+          </a:ln>
+        </p:spPr>
+        <p:txBody>
+          <a:bodyPr vert="horz" lIns="91440" tIns="45720" rIns="91440" bIns="45720" rtlCol="0" anchor="ctr"/>
+          <a:lstStyle/>
+          <a:p>
+            <a:endParaRPr lang="zh-TW" altLang="en-US"/>
+          </a:p>
+        </p:txBody>
+      </p:sp>
+      <p:sp>
+        <p:nvSpPr>
+          <p:cNvPr id="5" name="備忘稿版面配置區 4"/>
+          <p:cNvSpPr>
+            <a:spLocks noGrp="1"/>
+          </p:cNvSpPr>
+          <p:nvPr>
+            <p:ph type="body" sz="quarter" idx="3"/>
+          </p:nvPr>
+        </p:nvSpPr>
+        <p:spPr>
+          <a:xfrm>
+            <a:off x="685800" y="4400550"/>
+            <a:ext cx="5486400" cy="3600450"/>
+          </a:xfrm>
+          <a:prstGeom prst="rect">
+            <a:avLst/>
+          </a:prstGeom>
+        </p:spPr>
+        <p:txBody>
+          <a:bodyPr vert="horz" lIns="91440" tIns="45720" rIns="91440" bIns="45720" rtlCol="0"/>
+          <a:lstStyle/>
+          <a:p>
+            <a:pPr lvl="0"/>
+            <a:r>
+              <a:rPr kumimoji="1" lang="zh-TW" altLang="en-US" smtClean="0"/>
+              <a:t>按一下以編輯母片文字樣式</a:t>
+            </a:r>
+          </a:p>
+          <a:p>
+            <a:pPr lvl="1"/>
+            <a:r>
+              <a:rPr kumimoji="1" lang="zh-TW" altLang="en-US" smtClean="0"/>
+              <a:t>第二層</a:t>
+            </a:r>
+          </a:p>
+          <a:p>
+            <a:pPr lvl="2"/>
+            <a:r>
+              <a:rPr kumimoji="1" lang="zh-TW" altLang="en-US" smtClean="0"/>
+              <a:t>第三層</a:t>
+            </a:r>
+          </a:p>
+          <a:p>
+            <a:pPr lvl="3"/>
+            <a:r>
+              <a:rPr kumimoji="1" lang="zh-TW" altLang="en-US" smtClean="0"/>
+              <a:t>第四層</a:t>
+            </a:r>
+          </a:p>
+          <a:p>
+            <a:pPr lvl="4"/>
+            <a:r>
+              <a:rPr kumimoji="1" lang="zh-TW" altLang="en-US" smtClean="0"/>
+              <a:t>第五層</a:t>
+            </a:r>
+            <a:endParaRPr kumimoji="1" lang="zh-TW" altLang="en-US"/>
+          </a:p>
+        </p:txBody>
+      </p:sp>
+      <p:sp>
+        <p:nvSpPr>
+          <p:cNvPr id="6" name="頁尾版面配置區 5"/>
+          <p:cNvSpPr>
+            <a:spLocks noGrp="1"/>
+          </p:cNvSpPr>
+          <p:nvPr>
+            <p:ph type="ftr" sz="quarter" idx="4"/>
+          </p:nvPr>
+        </p:nvSpPr>
+        <p:spPr>
+          <a:xfrm>
+            <a:off x="0" y="8685213"/>
+            <a:ext cx="2971800" cy="458787"/>
+          </a:xfrm>
+          <a:prstGeom prst="rect">
+            <a:avLst/>
+          </a:prstGeom>
+        </p:spPr>
+        <p:txBody>
+          <a:bodyPr vert="horz" lIns="91440" tIns="45720" rIns="91440" bIns="45720" rtlCol="0" anchor="b"/>
+          <a:lstStyle>
+            <a:lvl1pPr algn="l">
+              <a:defRPr sz="1200"/>
+            </a:lvl1pPr>
+          </a:lstStyle>
+          <a:p>
+            <a:endParaRPr kumimoji="1" lang="zh-TW" altLang="en-US"/>
+          </a:p>
+        </p:txBody>
+      </p:sp>
+      <p:sp>
+        <p:nvSpPr>
+          <p:cNvPr id="7" name="投影片編號版面配置區 6"/>
+          <p:cNvSpPr>
+            <a:spLocks noGrp="1"/>
+          </p:cNvSpPr>
+          <p:nvPr>
+            <p:ph type="sldNum" sz="quarter" idx="5"/>
+          </p:nvPr>
+        </p:nvSpPr>
+        <p:spPr>
+          <a:xfrm>
+            <a:off x="3884613" y="8685213"/>
+            <a:ext cx="2971800" cy="458787"/>
+          </a:xfrm>
+          <a:prstGeom prst="rect">
+            <a:avLst/>
+          </a:prstGeom>
+        </p:spPr>
+        <p:txBody>
+          <a:bodyPr vert="horz" lIns="91440" tIns="45720" rIns="91440" bIns="45720" rtlCol="0" anchor="b"/>
+          <a:lstStyle>
+            <a:lvl1pPr algn="r">
+              <a:defRPr sz="1200"/>
+            </a:lvl1pPr>
+          </a:lstStyle>
+          <a:p>
+            <a:fld id="{4147DAD5-797A-CC4E-9C6B-FF30663221BA}" type="slidenum">
+              <a:rPr kumimoji="1" lang="zh-TW" altLang="en-US" smtClean="0"/>
+              <a:t>‹#›</a:t>
+            </a:fld>
+            <a:endParaRPr kumimoji="1" lang="zh-TW" altLang="en-US"/>
+          </a:p>
+        </p:txBody>
+      </p:sp>
+    </p:spTree>
+    <p:extLst>
+      <p:ext uri="{BB962C8B-B14F-4D97-AF65-F5344CB8AC3E}">
+        <p14:creationId xmlns:p14="http://schemas.microsoft.com/office/powerpoint/2010/main" val="1331568541"/>
+      </p:ext>
+    </p:extLst>
+  </p:cSld>
+  <p:clrMap bg1="lt1" tx1="dk1" bg2="lt2" tx2="dk2" accent1="accent1" accent2="accent2" accent3="accent3" accent4="accent4" accent5="accent5" accent6="accent6" hlink="hlink" folHlink="folHlink"/>
+  <p:notesStyle>
+    <a:lvl1pPr marL="0" algn="l" defTabSz="914400" rtl="0" eaLnBrk="1" latinLnBrk="0" hangingPunct="1">
+      <a:defRPr sz="1200" kern="1200">
+        <a:solidFill>
+          <a:schemeClr val="tx1"/>
+        </a:solidFill>
+        <a:latin typeface="+mn-lt"/>
+        <a:ea typeface="+mn-ea"/>
+        <a:cs typeface="+mn-cs"/>
+      </a:defRPr>
+    </a:lvl1pPr>
+    <a:lvl2pPr marL="457200" algn="l" defTabSz="914400" rtl="0" eaLnBrk="1" latinLnBrk="0" hangingPunct="1">
+      <a:defRPr sz="1200" kern="1200">
+        <a:solidFill>
+          <a:schemeClr val="tx1"/>
+        </a:solidFill>
+        <a:latin typeface="+mn-lt"/>
+        <a:ea typeface="+mn-ea"/>
+        <a:cs typeface="+mn-cs"/>
+      </a:defRPr>
+    </a:lvl2pPr>
+    <a:lvl3pPr marL="914400" algn="l" defTabSz="914400" rtl="0" eaLnBrk="1" latinLnBrk="0" hangingPunct="1">
+      <a:defRPr sz="1200" kern="1200">
+        <a:solidFill>
+          <a:schemeClr val="tx1"/>
+        </a:solidFill>
+        <a:latin typeface="+mn-lt"/>
+        <a:ea typeface="+mn-ea"/>
+        <a:cs typeface="+mn-cs"/>
+      </a:defRPr>
+    </a:lvl3pPr>
+    <a:lvl4pPr marL="1371600" algn="l" defTabSz="914400" rtl="0" eaLnBrk="1" latinLnBrk="0" hangingPunct="1">
+      <a:defRPr sz="1200" kern="1200">
+        <a:solidFill>
+          <a:schemeClr val="tx1"/>
+        </a:solidFill>
+        <a:latin typeface="+mn-lt"/>
+        <a:ea typeface="+mn-ea"/>
+        <a:cs typeface="+mn-cs"/>
+      </a:defRPr>
+    </a:lvl4pPr>
+    <a:lvl5pPr marL="1828800" algn="l" defTabSz="914400" rtl="0" eaLnBrk="1" latinLnBrk="0" hangingPunct="1">
+      <a:defRPr sz="1200" kern="1200">
+        <a:solidFill>
+          <a:schemeClr val="tx1"/>
+        </a:solidFill>
+        <a:latin typeface="+mn-lt"/>
+        <a:ea typeface="+mn-ea"/>
+        <a:cs typeface="+mn-cs"/>
+      </a:defRPr>
+    </a:lvl5pPr>
+    <a:lvl6pPr marL="2286000" algn="l" defTabSz="914400" rtl="0" eaLnBrk="1" latinLnBrk="0" hangingPunct="1">
+      <a:defRPr sz="1200" kern="1200">
+        <a:solidFill>
+          <a:schemeClr val="tx1"/>
+        </a:solidFill>
+        <a:latin typeface="+mn-lt"/>
+        <a:ea typeface="+mn-ea"/>
+        <a:cs typeface="+mn-cs"/>
+      </a:defRPr>
+    </a:lvl6pPr>
+    <a:lvl7pPr marL="2743200" algn="l" defTabSz="914400" rtl="0" eaLnBrk="1" latinLnBrk="0" hangingPunct="1">
+      <a:defRPr sz="1200" kern="1200">
+        <a:solidFill>
+          <a:schemeClr val="tx1"/>
+        </a:solidFill>
+        <a:latin typeface="+mn-lt"/>
+        <a:ea typeface="+mn-ea"/>
+        <a:cs typeface="+mn-cs"/>
+      </a:defRPr>
+    </a:lvl7pPr>
+    <a:lvl8pPr marL="3200400" algn="l" defTabSz="914400" rtl="0" eaLnBrk="1" latinLnBrk="0" hangingPunct="1">
+      <a:defRPr sz="1200" kern="1200">
+        <a:solidFill>
+          <a:schemeClr val="tx1"/>
+        </a:solidFill>
+        <a:latin typeface="+mn-lt"/>
+        <a:ea typeface="+mn-ea"/>
+        <a:cs typeface="+mn-cs"/>
+      </a:defRPr>
+    </a:lvl8pPr>
+    <a:lvl9pPr marL="3657600" algn="l" defTabSz="914400" rtl="0" eaLnBrk="1" latinLnBrk="0" hangingPunct="1">
+      <a:defRPr sz="1200" kern="1200">
+        <a:solidFill>
+          <a:schemeClr val="tx1"/>
+        </a:solidFill>
+        <a:latin typeface="+mn-lt"/>
+        <a:ea typeface="+mn-ea"/>
+        <a:cs typeface="+mn-cs"/>
+      </a:defRPr>
+    </a:lvl9pPr>
+  </p:notesStyle>
+</p:notesMaster>
+</file>
+
+<file path=ppt/notesSlides/notesSlide1.xml><?xml version="1.0" encoding="utf-8"?>
+<p:notes xmlns:a="http://schemas.openxmlformats.org/drawingml/2006/main" xmlns:r="http://schemas.openxmlformats.org/officeDocument/2006/relationships" xmlns:p="http://schemas.openxmlformats.org/presentationml/2006/main">
+  <p:cSld>
+    <p:spTree>
+      <p:nvGrpSpPr>
+        <p:cNvPr id="1" name=""/>
+        <p:cNvGrpSpPr/>
+        <p:nvPr/>
+      </p:nvGrpSpPr>
+      <p:grpSpPr>
+        <a:xfrm>
+          <a:off x="0" y="0"/>
+          <a:ext cx="0" cy="0"/>
+          <a:chOff x="0" y="0"/>
+          <a:chExt cx="0" cy="0"/>
+        </a:xfrm>
+      </p:grpSpPr>
+      <p:sp>
+        <p:nvSpPr>
+          <p:cNvPr id="2" name="投影片影像版面配置區 1"/>
+          <p:cNvSpPr>
+            <a:spLocks noGrp="1" noRot="1" noChangeAspect="1"/>
+          </p:cNvSpPr>
+          <p:nvPr>
+            <p:ph type="sldImg"/>
+          </p:nvPr>
+        </p:nvSpPr>
+        <p:spPr/>
+      </p:sp>
+      <p:sp>
+        <p:nvSpPr>
+          <p:cNvPr id="3" name="備忘稿版面配置區 2"/>
+          <p:cNvSpPr>
+            <a:spLocks noGrp="1"/>
+          </p:cNvSpPr>
+          <p:nvPr>
+            <p:ph type="body" idx="1"/>
+          </p:nvPr>
+        </p:nvSpPr>
+        <p:spPr/>
+        <p:txBody>
+          <a:bodyPr/>
+          <a:lstStyle/>
+          <a:p>
+            <a:r>
+              <a:rPr kumimoji="1" lang="en-US" altLang="zh-TW" dirty="0" smtClean="0"/>
+              <a:t>Survey</a:t>
+            </a:r>
+            <a:r>
+              <a:rPr kumimoji="1" lang="en-US" altLang="zh-TW" baseline="0" dirty="0" smtClean="0"/>
+              <a:t> GTAV related work(planning operation)</a:t>
+            </a:r>
+            <a:endParaRPr kumimoji="1" lang="zh-TW" altLang="en-US" dirty="0"/>
+          </a:p>
+        </p:txBody>
+      </p:sp>
+      <p:sp>
+        <p:nvSpPr>
+          <p:cNvPr id="4" name="投影片編號版面配置區 3"/>
+          <p:cNvSpPr>
+            <a:spLocks noGrp="1"/>
+          </p:cNvSpPr>
+          <p:nvPr>
+            <p:ph type="sldNum" sz="quarter" idx="10"/>
+          </p:nvPr>
+        </p:nvSpPr>
+        <p:spPr/>
+        <p:txBody>
+          <a:bodyPr/>
+          <a:lstStyle/>
+          <a:p>
+            <a:fld id="{4147DAD5-797A-CC4E-9C6B-FF30663221BA}" type="slidenum">
+              <a:rPr kumimoji="1" lang="zh-TW" altLang="en-US" smtClean="0"/>
+              <a:t>19</a:t>
+            </a:fld>
+            <a:endParaRPr kumimoji="1" lang="zh-TW" altLang="en-US"/>
+          </a:p>
+        </p:txBody>
+      </p:sp>
+    </p:spTree>
+    <p:extLst>
+      <p:ext uri="{BB962C8B-B14F-4D97-AF65-F5344CB8AC3E}">
+        <p14:creationId xmlns:p14="http://schemas.microsoft.com/office/powerpoint/2010/main" val="745383200"/>
+      </p:ext>
+    </p:extLst>
+  </p:cSld>
+  <p:clrMapOvr>
+    <a:masterClrMapping/>
+  </p:clrMapOvr>
+</p:notes>
+</file>
+
 <file path=ppt/slideLayouts/slideLayout1.xml><?xml version="1.0" encoding="utf-8"?>
 <p:sldLayout xmlns:a="http://schemas.openxmlformats.org/drawingml/2006/main" xmlns:r="http://schemas.openxmlformats.org/officeDocument/2006/relationships" xmlns:p="http://schemas.openxmlformats.org/presentationml/2006/main" type="title" preserve="1">
   <p:cSld name="標題投影片">
@@ -260,7 +709,7 @@
           <a:p>
             <a:fld id="{92D81144-4EC9-6645-BD86-B31908C7107A}" type="datetimeFigureOut">
               <a:rPr kumimoji="1" lang="zh-TW" altLang="en-US" smtClean="0"/>
-              <a:t>2017/9/24</a:t>
+              <a:t>2017/10/2</a:t>
             </a:fld>
             <a:endParaRPr kumimoji="1" lang="zh-TW" altLang="en-US"/>
           </a:p>
@@ -430,7 +879,7 @@
           <a:p>
             <a:fld id="{92D81144-4EC9-6645-BD86-B31908C7107A}" type="datetimeFigureOut">
               <a:rPr kumimoji="1" lang="zh-TW" altLang="en-US" smtClean="0"/>
-              <a:t>2017/9/24</a:t>
+              <a:t>2017/10/2</a:t>
             </a:fld>
             <a:endParaRPr kumimoji="1" lang="zh-TW" altLang="en-US"/>
           </a:p>
@@ -610,7 +1059,7 @@
           <a:p>
             <a:fld id="{92D81144-4EC9-6645-BD86-B31908C7107A}" type="datetimeFigureOut">
               <a:rPr kumimoji="1" lang="zh-TW" altLang="en-US" smtClean="0"/>
-              <a:t>2017/9/24</a:t>
+              <a:t>2017/10/2</a:t>
             </a:fld>
             <a:endParaRPr kumimoji="1" lang="zh-TW" altLang="en-US"/>
           </a:p>
@@ -780,7 +1229,7 @@
           <a:p>
             <a:fld id="{92D81144-4EC9-6645-BD86-B31908C7107A}" type="datetimeFigureOut">
               <a:rPr kumimoji="1" lang="zh-TW" altLang="en-US" smtClean="0"/>
-              <a:t>2017/9/24</a:t>
+              <a:t>2017/10/2</a:t>
             </a:fld>
             <a:endParaRPr kumimoji="1" lang="zh-TW" altLang="en-US"/>
           </a:p>
@@ -1026,7 +1475,7 @@
           <a:p>
             <a:fld id="{92D81144-4EC9-6645-BD86-B31908C7107A}" type="datetimeFigureOut">
               <a:rPr kumimoji="1" lang="zh-TW" altLang="en-US" smtClean="0"/>
-              <a:t>2017/9/24</a:t>
+              <a:t>2017/10/2</a:t>
             </a:fld>
             <a:endParaRPr kumimoji="1" lang="zh-TW" altLang="en-US"/>
           </a:p>
@@ -1258,7 +1707,7 @@
           <a:p>
             <a:fld id="{92D81144-4EC9-6645-BD86-B31908C7107A}" type="datetimeFigureOut">
               <a:rPr kumimoji="1" lang="zh-TW" altLang="en-US" smtClean="0"/>
-              <a:t>2017/9/24</a:t>
+              <a:t>2017/10/2</a:t>
             </a:fld>
             <a:endParaRPr kumimoji="1" lang="zh-TW" altLang="en-US"/>
           </a:p>
@@ -1625,7 +2074,7 @@
           <a:p>
             <a:fld id="{92D81144-4EC9-6645-BD86-B31908C7107A}" type="datetimeFigureOut">
               <a:rPr kumimoji="1" lang="zh-TW" altLang="en-US" smtClean="0"/>
-              <a:t>2017/9/24</a:t>
+              <a:t>2017/10/2</a:t>
             </a:fld>
             <a:endParaRPr kumimoji="1" lang="zh-TW" altLang="en-US"/>
           </a:p>
@@ -1743,7 +2192,7 @@
           <a:p>
             <a:fld id="{92D81144-4EC9-6645-BD86-B31908C7107A}" type="datetimeFigureOut">
               <a:rPr kumimoji="1" lang="zh-TW" altLang="en-US" smtClean="0"/>
-              <a:t>2017/9/24</a:t>
+              <a:t>2017/10/2</a:t>
             </a:fld>
             <a:endParaRPr kumimoji="1" lang="zh-TW" altLang="en-US"/>
           </a:p>
@@ -1838,7 +2287,7 @@
           <a:p>
             <a:fld id="{92D81144-4EC9-6645-BD86-B31908C7107A}" type="datetimeFigureOut">
               <a:rPr kumimoji="1" lang="zh-TW" altLang="en-US" smtClean="0"/>
-              <a:t>2017/9/24</a:t>
+              <a:t>2017/10/2</a:t>
             </a:fld>
             <a:endParaRPr kumimoji="1" lang="zh-TW" altLang="en-US"/>
           </a:p>
@@ -2115,7 +2564,7 @@
           <a:p>
             <a:fld id="{92D81144-4EC9-6645-BD86-B31908C7107A}" type="datetimeFigureOut">
               <a:rPr kumimoji="1" lang="zh-TW" altLang="en-US" smtClean="0"/>
-              <a:t>2017/9/24</a:t>
+              <a:t>2017/10/2</a:t>
             </a:fld>
             <a:endParaRPr kumimoji="1" lang="zh-TW" altLang="en-US"/>
           </a:p>
@@ -2368,7 +2817,7 @@
           <a:p>
             <a:fld id="{92D81144-4EC9-6645-BD86-B31908C7107A}" type="datetimeFigureOut">
               <a:rPr kumimoji="1" lang="zh-TW" altLang="en-US" smtClean="0"/>
-              <a:t>2017/9/24</a:t>
+              <a:t>2017/10/2</a:t>
             </a:fld>
             <a:endParaRPr kumimoji="1" lang="zh-TW" altLang="en-US"/>
           </a:p>
@@ -2581,7 +3030,7 @@
           <a:p>
             <a:fld id="{92D81144-4EC9-6645-BD86-B31908C7107A}" type="datetimeFigureOut">
               <a:rPr kumimoji="1" lang="zh-TW" altLang="en-US" smtClean="0"/>
-              <a:t>2017/9/24</a:t>
+              <a:t>2017/10/2</a:t>
             </a:fld>
             <a:endParaRPr kumimoji="1" lang="zh-TW" altLang="en-US"/>
           </a:p>
@@ -3047,6 +3496,13 @@
   <p:clrMapOvr>
     <a:masterClrMapping/>
   </p:clrMapOvr>
+  <p:timing>
+    <p:tnLst>
+      <p:par>
+        <p:cTn id="1" dur="indefinite" restart="never" nodeType="tmRoot"/>
+      </p:par>
+    </p:tnLst>
+  </p:timing>
 </p:sld>
 </file>
 
@@ -3223,6 +3679,569 @@
 </file>
 
 <file path=ppt/slides/slide11.xml><?xml version="1.0" encoding="utf-8"?>
+<p:sld xmlns:a="http://schemas.openxmlformats.org/drawingml/2006/main" xmlns:r="http://schemas.openxmlformats.org/officeDocument/2006/relationships" xmlns:p="http://schemas.openxmlformats.org/presentationml/2006/main">
+  <p:cSld>
+    <p:spTree>
+      <p:nvGrpSpPr>
+        <p:cNvPr id="1" name=""/>
+        <p:cNvGrpSpPr/>
+        <p:nvPr/>
+      </p:nvGrpSpPr>
+      <p:grpSpPr>
+        <a:xfrm>
+          <a:off x="0" y="0"/>
+          <a:ext cx="0" cy="0"/>
+          <a:chOff x="0" y="0"/>
+          <a:chExt cx="0" cy="0"/>
+        </a:xfrm>
+      </p:grpSpPr>
+      <p:pic>
+        <p:nvPicPr>
+          <p:cNvPr id="4" name="圖片 3"/>
+          <p:cNvPicPr>
+            <a:picLocks noChangeAspect="1"/>
+          </p:cNvPicPr>
+          <p:nvPr/>
+        </p:nvPicPr>
+        <p:blipFill>
+          <a:blip r:embed="rId2"/>
+          <a:stretch>
+            <a:fillRect/>
+          </a:stretch>
+        </p:blipFill>
+        <p:spPr>
+          <a:xfrm>
+            <a:off x="3061901" y="4260786"/>
+            <a:ext cx="6998801" cy="2390775"/>
+          </a:xfrm>
+          <a:prstGeom prst="rect">
+            <a:avLst/>
+          </a:prstGeom>
+        </p:spPr>
+      </p:pic>
+      <p:sp>
+        <p:nvSpPr>
+          <p:cNvPr id="2" name="標題 1"/>
+          <p:cNvSpPr>
+            <a:spLocks noGrp="1"/>
+          </p:cNvSpPr>
+          <p:nvPr>
+            <p:ph type="title"/>
+          </p:nvPr>
+        </p:nvSpPr>
+        <p:spPr/>
+        <p:txBody>
+          <a:bodyPr/>
+          <a:lstStyle/>
+          <a:p>
+            <a:pPr algn="ctr"/>
+            <a:r>
+              <a:rPr kumimoji="1" lang="en-US" altLang="zh-TW" dirty="0" smtClean="0"/>
+              <a:t>Translation</a:t>
+            </a:r>
+            <a:endParaRPr kumimoji="1" lang="zh-TW" altLang="en-US" dirty="0"/>
+          </a:p>
+        </p:txBody>
+      </p:sp>
+      <p:sp>
+        <p:nvSpPr>
+          <p:cNvPr id="3" name="內容版面配置區 2"/>
+          <p:cNvSpPr>
+            <a:spLocks noGrp="1"/>
+          </p:cNvSpPr>
+          <p:nvPr>
+            <p:ph idx="1"/>
+          </p:nvPr>
+        </p:nvSpPr>
+        <p:spPr/>
+        <p:txBody>
+          <a:bodyPr/>
+          <a:lstStyle/>
+          <a:p>
+            <a:r>
+              <a:rPr kumimoji="1" lang="en-US" altLang="zh-TW" dirty="0" smtClean="0"/>
+              <a:t>For vertical side of the 2D detection box</a:t>
+            </a:r>
+          </a:p>
+          <a:p>
+            <a:r>
+              <a:rPr kumimoji="1" lang="mr-IN" altLang="zh-TW" dirty="0" smtClean="0"/>
+              <a:t>[±</a:t>
+            </a:r>
+            <a:r>
+              <a:rPr kumimoji="1" lang="mr-IN" altLang="zh-TW" dirty="0" err="1" smtClean="0"/>
+              <a:t>dx</a:t>
+            </a:r>
+            <a:r>
+              <a:rPr kumimoji="1" lang="mr-IN" altLang="zh-TW" dirty="0" smtClean="0"/>
+              <a:t>/2, .,±</a:t>
+            </a:r>
+            <a:r>
+              <a:rPr kumimoji="1" lang="mr-IN" altLang="zh-TW" dirty="0" err="1" smtClean="0"/>
+              <a:t>dz</a:t>
+            </a:r>
+            <a:r>
+              <a:rPr kumimoji="1" lang="mr-IN" altLang="zh-TW" dirty="0" smtClean="0"/>
+              <a:t>/2]</a:t>
+            </a:r>
+            <a:endParaRPr kumimoji="1" lang="en-US" altLang="zh-TW" dirty="0" smtClean="0"/>
+          </a:p>
+          <a:p>
+            <a:endParaRPr kumimoji="1" lang="en-US" altLang="zh-TW" dirty="0"/>
+          </a:p>
+          <a:p>
+            <a:r>
+              <a:rPr kumimoji="1" lang="en-US" altLang="zh-TW" dirty="0" smtClean="0"/>
+              <a:t>For horizontal side of the 2D detection box</a:t>
+            </a:r>
+          </a:p>
+          <a:p>
+            <a:r>
+              <a:rPr kumimoji="1" lang="mr-IN" altLang="zh-TW" dirty="0" smtClean="0"/>
+              <a:t>[.,±</a:t>
+            </a:r>
+            <a:r>
+              <a:rPr kumimoji="1" lang="mr-IN" altLang="zh-TW" dirty="0" err="1" smtClean="0"/>
+              <a:t>dy</a:t>
+            </a:r>
+            <a:r>
+              <a:rPr kumimoji="1" lang="mr-IN" altLang="zh-TW" dirty="0" smtClean="0"/>
+              <a:t>/2,±dz/2]</a:t>
+            </a:r>
+            <a:endParaRPr kumimoji="1" lang="en-US" altLang="zh-TW" dirty="0" smtClean="0"/>
+          </a:p>
+          <a:p>
+            <a:endParaRPr kumimoji="1" lang="zh-TW" altLang="en-US" dirty="0"/>
+          </a:p>
+        </p:txBody>
+      </p:sp>
+      <p:pic>
+        <p:nvPicPr>
+          <p:cNvPr id="5" name="圖片 4"/>
+          <p:cNvPicPr>
+            <a:picLocks noChangeAspect="1"/>
+          </p:cNvPicPr>
+          <p:nvPr/>
+        </p:nvPicPr>
+        <p:blipFill>
+          <a:blip r:embed="rId3"/>
+          <a:stretch>
+            <a:fillRect/>
+          </a:stretch>
+        </p:blipFill>
+        <p:spPr>
+          <a:xfrm>
+            <a:off x="8677967" y="1784286"/>
+            <a:ext cx="2533650" cy="2476500"/>
+          </a:xfrm>
+          <a:prstGeom prst="rect">
+            <a:avLst/>
+          </a:prstGeom>
+        </p:spPr>
+      </p:pic>
+    </p:spTree>
+    <p:extLst>
+      <p:ext uri="{BB962C8B-B14F-4D97-AF65-F5344CB8AC3E}">
+        <p14:creationId xmlns:p14="http://schemas.microsoft.com/office/powerpoint/2010/main" val="484444184"/>
+      </p:ext>
+    </p:extLst>
+  </p:cSld>
+  <p:clrMapOvr>
+    <a:masterClrMapping/>
+  </p:clrMapOvr>
+  <p:timing>
+    <p:tnLst>
+      <p:par>
+        <p:cTn id="1" dur="indefinite" restart="never" nodeType="tmRoot"/>
+      </p:par>
+    </p:tnLst>
+  </p:timing>
+</p:sld>
+</file>
+
+<file path=ppt/slides/slide12.xml><?xml version="1.0" encoding="utf-8"?>
+<p:sld xmlns:a="http://schemas.openxmlformats.org/drawingml/2006/main" xmlns:r="http://schemas.openxmlformats.org/officeDocument/2006/relationships" xmlns:p="http://schemas.openxmlformats.org/presentationml/2006/main">
+  <p:cSld>
+    <p:spTree>
+      <p:nvGrpSpPr>
+        <p:cNvPr id="1" name=""/>
+        <p:cNvGrpSpPr/>
+        <p:nvPr/>
+      </p:nvGrpSpPr>
+      <p:grpSpPr>
+        <a:xfrm>
+          <a:off x="0" y="0"/>
+          <a:ext cx="0" cy="0"/>
+          <a:chOff x="0" y="0"/>
+          <a:chExt cx="0" cy="0"/>
+        </a:xfrm>
+      </p:grpSpPr>
+      <p:pic>
+        <p:nvPicPr>
+          <p:cNvPr id="4" name="圖片 3"/>
+          <p:cNvPicPr>
+            <a:picLocks noChangeAspect="1"/>
+          </p:cNvPicPr>
+          <p:nvPr/>
+        </p:nvPicPr>
+        <p:blipFill>
+          <a:blip r:embed="rId2"/>
+          <a:stretch>
+            <a:fillRect/>
+          </a:stretch>
+        </p:blipFill>
+        <p:spPr>
+          <a:xfrm>
+            <a:off x="0" y="1729947"/>
+            <a:ext cx="12192000" cy="2670972"/>
+          </a:xfrm>
+          <a:prstGeom prst="rect">
+            <a:avLst/>
+          </a:prstGeom>
+        </p:spPr>
+      </p:pic>
+      <p:sp>
+        <p:nvSpPr>
+          <p:cNvPr id="3" name="標題 1"/>
+          <p:cNvSpPr>
+            <a:spLocks noGrp="1"/>
+          </p:cNvSpPr>
+          <p:nvPr>
+            <p:ph type="title"/>
+          </p:nvPr>
+        </p:nvSpPr>
+        <p:spPr>
+          <a:xfrm>
+            <a:off x="838200" y="365125"/>
+            <a:ext cx="10515600" cy="1325563"/>
+          </a:xfrm>
+        </p:spPr>
+        <p:txBody>
+          <a:bodyPr/>
+          <a:lstStyle/>
+          <a:p>
+            <a:pPr algn="ctr"/>
+            <a:r>
+              <a:rPr kumimoji="1" lang="en-US" altLang="zh-TW" dirty="0" smtClean="0"/>
+              <a:t>Orientation</a:t>
+            </a:r>
+            <a:endParaRPr kumimoji="1" lang="zh-TW" altLang="en-US" dirty="0"/>
+          </a:p>
+        </p:txBody>
+      </p:sp>
+    </p:spTree>
+    <p:extLst>
+      <p:ext uri="{BB962C8B-B14F-4D97-AF65-F5344CB8AC3E}">
+        <p14:creationId xmlns:p14="http://schemas.microsoft.com/office/powerpoint/2010/main" val="942894711"/>
+      </p:ext>
+    </p:extLst>
+  </p:cSld>
+  <p:clrMapOvr>
+    <a:masterClrMapping/>
+  </p:clrMapOvr>
+  <p:timing>
+    <p:tnLst>
+      <p:par>
+        <p:cTn id="1" dur="indefinite" restart="never" nodeType="tmRoot"/>
+      </p:par>
+    </p:tnLst>
+  </p:timing>
+</p:sld>
+</file>
+
+<file path=ppt/slides/slide13.xml><?xml version="1.0" encoding="utf-8"?>
+<p:sld xmlns:a="http://schemas.openxmlformats.org/drawingml/2006/main" xmlns:r="http://schemas.openxmlformats.org/officeDocument/2006/relationships" xmlns:p="http://schemas.openxmlformats.org/presentationml/2006/main">
+  <p:cSld>
+    <p:spTree>
+      <p:nvGrpSpPr>
+        <p:cNvPr id="1" name=""/>
+        <p:cNvGrpSpPr/>
+        <p:nvPr/>
+      </p:nvGrpSpPr>
+      <p:grpSpPr>
+        <a:xfrm>
+          <a:off x="0" y="0"/>
+          <a:ext cx="0" cy="0"/>
+          <a:chOff x="0" y="0"/>
+          <a:chExt cx="0" cy="0"/>
+        </a:xfrm>
+      </p:grpSpPr>
+      <p:pic>
+        <p:nvPicPr>
+          <p:cNvPr id="4" name="圖片 3"/>
+          <p:cNvPicPr>
+            <a:picLocks noChangeAspect="1"/>
+          </p:cNvPicPr>
+          <p:nvPr/>
+        </p:nvPicPr>
+        <p:blipFill>
+          <a:blip r:embed="rId2"/>
+          <a:stretch>
+            <a:fillRect/>
+          </a:stretch>
+        </p:blipFill>
+        <p:spPr>
+          <a:xfrm>
+            <a:off x="0" y="2049821"/>
+            <a:ext cx="12192000" cy="2695295"/>
+          </a:xfrm>
+          <a:prstGeom prst="rect">
+            <a:avLst/>
+          </a:prstGeom>
+        </p:spPr>
+      </p:pic>
+      <p:sp>
+        <p:nvSpPr>
+          <p:cNvPr id="5" name="標題 1"/>
+          <p:cNvSpPr>
+            <a:spLocks noGrp="1"/>
+          </p:cNvSpPr>
+          <p:nvPr>
+            <p:ph type="title"/>
+          </p:nvPr>
+        </p:nvSpPr>
+        <p:spPr>
+          <a:xfrm>
+            <a:off x="838200" y="365125"/>
+            <a:ext cx="10515600" cy="1325563"/>
+          </a:xfrm>
+        </p:spPr>
+        <p:txBody>
+          <a:bodyPr/>
+          <a:lstStyle/>
+          <a:p>
+            <a:pPr algn="ctr"/>
+            <a:r>
+              <a:rPr kumimoji="1" lang="en-US" altLang="zh-TW" dirty="0" smtClean="0"/>
+              <a:t>3D Bounding Box</a:t>
+            </a:r>
+            <a:endParaRPr kumimoji="1" lang="zh-TW" altLang="en-US" dirty="0"/>
+          </a:p>
+        </p:txBody>
+      </p:sp>
+    </p:spTree>
+    <p:extLst>
+      <p:ext uri="{BB962C8B-B14F-4D97-AF65-F5344CB8AC3E}">
+        <p14:creationId xmlns:p14="http://schemas.microsoft.com/office/powerpoint/2010/main" val="949576564"/>
+      </p:ext>
+    </p:extLst>
+  </p:cSld>
+  <p:clrMapOvr>
+    <a:masterClrMapping/>
+  </p:clrMapOvr>
+  <p:timing>
+    <p:tnLst>
+      <p:par>
+        <p:cTn id="1" dur="indefinite" restart="never" nodeType="tmRoot"/>
+      </p:par>
+    </p:tnLst>
+  </p:timing>
+</p:sld>
+</file>
+
+<file path=ppt/slides/slide14.xml><?xml version="1.0" encoding="utf-8"?>
+<p:sld xmlns:a="http://schemas.openxmlformats.org/drawingml/2006/main" xmlns:r="http://schemas.openxmlformats.org/officeDocument/2006/relationships" xmlns:p="http://schemas.openxmlformats.org/presentationml/2006/main">
+  <p:cSld>
+    <p:spTree>
+      <p:nvGrpSpPr>
+        <p:cNvPr id="1" name=""/>
+        <p:cNvGrpSpPr/>
+        <p:nvPr/>
+      </p:nvGrpSpPr>
+      <p:grpSpPr>
+        <a:xfrm>
+          <a:off x="0" y="0"/>
+          <a:ext cx="0" cy="0"/>
+          <a:chOff x="0" y="0"/>
+          <a:chExt cx="0" cy="0"/>
+        </a:xfrm>
+      </p:grpSpPr>
+      <p:sp>
+        <p:nvSpPr>
+          <p:cNvPr id="2" name="標題 1"/>
+          <p:cNvSpPr>
+            <a:spLocks noGrp="1"/>
+          </p:cNvSpPr>
+          <p:nvPr>
+            <p:ph type="title"/>
+          </p:nvPr>
+        </p:nvSpPr>
+        <p:spPr/>
+        <p:txBody>
+          <a:bodyPr/>
+          <a:lstStyle/>
+          <a:p>
+            <a:r>
+              <a:rPr kumimoji="1" lang="en-US" altLang="zh-TW" dirty="0" smtClean="0"/>
+              <a:t>3D Bounding Box Estimation</a:t>
+            </a:r>
+            <a:endParaRPr kumimoji="1" lang="zh-TW" altLang="en-US" dirty="0"/>
+          </a:p>
+        </p:txBody>
+      </p:sp>
+      <p:sp>
+        <p:nvSpPr>
+          <p:cNvPr id="3" name="內容版面配置區 2"/>
+          <p:cNvSpPr>
+            <a:spLocks noGrp="1"/>
+          </p:cNvSpPr>
+          <p:nvPr>
+            <p:ph idx="1"/>
+          </p:nvPr>
+        </p:nvSpPr>
+        <p:spPr/>
+        <p:txBody>
+          <a:bodyPr/>
+          <a:lstStyle/>
+          <a:p>
+            <a:r>
+              <a:rPr kumimoji="1" lang="en-US" altLang="zh-TW" dirty="0" smtClean="0"/>
+              <a:t>3D bounding box </a:t>
+            </a:r>
+            <a:r>
+              <a:rPr kumimoji="1" lang="en-US" altLang="zh-TW" dirty="0" smtClean="0">
+                <a:solidFill>
+                  <a:srgbClr val="FF0000"/>
+                </a:solidFill>
+              </a:rPr>
+              <a:t>initialization</a:t>
+            </a:r>
+            <a:r>
+              <a:rPr kumimoji="1" lang="en-US" altLang="zh-TW" dirty="0" smtClean="0"/>
+              <a:t> in </a:t>
+            </a:r>
+            <a:r>
+              <a:rPr kumimoji="1" lang="zh-TW" altLang="en-US" dirty="0" smtClean="0"/>
+              <a:t>家盛</a:t>
+            </a:r>
+            <a:r>
+              <a:rPr kumimoji="1" lang="en-US" altLang="zh-TW" dirty="0" smtClean="0"/>
+              <a:t>‘s tool.</a:t>
+            </a:r>
+          </a:p>
+          <a:p>
+            <a:endParaRPr kumimoji="1" lang="en-US" altLang="zh-TW" dirty="0"/>
+          </a:p>
+          <a:p>
+            <a:r>
+              <a:rPr kumimoji="1" lang="en-US" altLang="zh-TW" dirty="0" smtClean="0"/>
+              <a:t>Total </a:t>
+            </a:r>
+            <a:r>
+              <a:rPr kumimoji="1" lang="en-US" altLang="zh-TW" dirty="0" smtClean="0">
+                <a:solidFill>
+                  <a:srgbClr val="FF0000"/>
+                </a:solidFill>
+              </a:rPr>
+              <a:t>7481</a:t>
+            </a:r>
+            <a:r>
+              <a:rPr kumimoji="1" lang="en-US" altLang="zh-TW" dirty="0" smtClean="0"/>
+              <a:t> images and </a:t>
+            </a:r>
+            <a:r>
+              <a:rPr kumimoji="1" lang="en-US" altLang="zh-TW" dirty="0" smtClean="0">
+                <a:solidFill>
+                  <a:srgbClr val="FF0000"/>
+                </a:solidFill>
+              </a:rPr>
+              <a:t>40570</a:t>
+            </a:r>
+            <a:r>
+              <a:rPr kumimoji="1" lang="en-US" altLang="zh-TW" dirty="0" smtClean="0"/>
+              <a:t> crop patches</a:t>
+            </a:r>
+          </a:p>
+          <a:p>
+            <a:endParaRPr kumimoji="1" lang="en-US" altLang="zh-TW" dirty="0"/>
+          </a:p>
+          <a:p>
+            <a:r>
+              <a:rPr kumimoji="1" lang="en-US" altLang="zh-TW" dirty="0" smtClean="0">
+                <a:solidFill>
+                  <a:srgbClr val="FF0000"/>
+                </a:solidFill>
+              </a:rPr>
+              <a:t>35570</a:t>
+            </a:r>
+            <a:r>
+              <a:rPr kumimoji="1" lang="en-US" altLang="zh-TW" dirty="0" smtClean="0"/>
+              <a:t> for training</a:t>
+            </a:r>
+          </a:p>
+          <a:p>
+            <a:r>
+              <a:rPr kumimoji="1" lang="en-US" altLang="zh-TW" dirty="0" smtClean="0">
+                <a:solidFill>
+                  <a:srgbClr val="FF0000"/>
+                </a:solidFill>
+              </a:rPr>
+              <a:t>5000</a:t>
+            </a:r>
+            <a:r>
+              <a:rPr kumimoji="1" lang="en-US" altLang="zh-TW" dirty="0" smtClean="0"/>
+              <a:t> for validation</a:t>
+            </a:r>
+          </a:p>
+          <a:p>
+            <a:endParaRPr kumimoji="1" lang="en-US" altLang="zh-TW" dirty="0"/>
+          </a:p>
+          <a:p>
+            <a:endParaRPr kumimoji="1" lang="zh-TW" altLang="en-US" dirty="0"/>
+          </a:p>
+        </p:txBody>
+      </p:sp>
+      <p:pic>
+        <p:nvPicPr>
+          <p:cNvPr id="4" name="圖片 3"/>
+          <p:cNvPicPr>
+            <a:picLocks noChangeAspect="1"/>
+          </p:cNvPicPr>
+          <p:nvPr/>
+        </p:nvPicPr>
+        <p:blipFill>
+          <a:blip r:embed="rId2">
+            <a:extLst>
+              <a:ext uri="{28A0092B-C50C-407E-A947-70E740481C1C}">
+                <a14:useLocalDpi xmlns:a14="http://schemas.microsoft.com/office/drawing/2010/main" val="0"/>
+              </a:ext>
+            </a:extLst>
+          </a:blip>
+          <a:stretch>
+            <a:fillRect/>
+          </a:stretch>
+        </p:blipFill>
+        <p:spPr>
+          <a:xfrm>
+            <a:off x="8136328" y="2578894"/>
+            <a:ext cx="2844800" cy="2844800"/>
+          </a:xfrm>
+          <a:prstGeom prst="rect">
+            <a:avLst/>
+          </a:prstGeom>
+        </p:spPr>
+      </p:pic>
+    </p:spTree>
+    <p:extLst>
+      <p:ext uri="{BB962C8B-B14F-4D97-AF65-F5344CB8AC3E}">
+        <p14:creationId xmlns:p14="http://schemas.microsoft.com/office/powerpoint/2010/main" val="1601811986"/>
+      </p:ext>
+    </p:extLst>
+  </p:cSld>
+  <p:clrMapOvr>
+    <a:masterClrMapping/>
+  </p:clrMapOvr>
+  <p:timing>
+    <p:tnLst>
+      <p:par>
+        <p:cTn id="1" dur="indefinite" restart="never" nodeType="tmRoot"/>
+      </p:par>
+    </p:tnLst>
+  </p:timing>
+</p:sld>
+</file>
+
+<file path=ppt/slides/slide15.xml><?xml version="1.0" encoding="utf-8"?>
 <p:sld xmlns:a="http://schemas.openxmlformats.org/drawingml/2006/main" xmlns:r="http://schemas.openxmlformats.org/officeDocument/2006/relationships" xmlns:p="http://schemas.openxmlformats.org/presentationml/2006/main">
   <p:cSld>
     <p:spTree>
@@ -3460,571 +4479,8 @@
 </p:sld>
 </file>
 
-<file path=ppt/slides/slide12.xml><?xml version="1.0" encoding="utf-8"?>
-<p:sld xmlns:a="http://schemas.openxmlformats.org/drawingml/2006/main" xmlns:r="http://schemas.openxmlformats.org/officeDocument/2006/relationships" xmlns:p="http://schemas.openxmlformats.org/presentationml/2006/main">
-  <p:cSld>
-    <p:spTree>
-      <p:nvGrpSpPr>
-        <p:cNvPr id="1" name=""/>
-        <p:cNvGrpSpPr/>
-        <p:nvPr/>
-      </p:nvGrpSpPr>
-      <p:grpSpPr>
-        <a:xfrm>
-          <a:off x="0" y="0"/>
-          <a:ext cx="0" cy="0"/>
-          <a:chOff x="0" y="0"/>
-          <a:chExt cx="0" cy="0"/>
-        </a:xfrm>
-      </p:grpSpPr>
-      <p:pic>
-        <p:nvPicPr>
-          <p:cNvPr id="4" name="圖片 3"/>
-          <p:cNvPicPr>
-            <a:picLocks noChangeAspect="1"/>
-          </p:cNvPicPr>
-          <p:nvPr/>
-        </p:nvPicPr>
-        <p:blipFill>
-          <a:blip r:embed="rId2"/>
-          <a:stretch>
-            <a:fillRect/>
-          </a:stretch>
-        </p:blipFill>
-        <p:spPr>
-          <a:xfrm>
-            <a:off x="3061901" y="4260786"/>
-            <a:ext cx="6998801" cy="2390775"/>
-          </a:xfrm>
-          <a:prstGeom prst="rect">
-            <a:avLst/>
-          </a:prstGeom>
-        </p:spPr>
-      </p:pic>
-      <p:sp>
-        <p:nvSpPr>
-          <p:cNvPr id="2" name="標題 1"/>
-          <p:cNvSpPr>
-            <a:spLocks noGrp="1"/>
-          </p:cNvSpPr>
-          <p:nvPr>
-            <p:ph type="title"/>
-          </p:nvPr>
-        </p:nvSpPr>
-        <p:spPr/>
-        <p:txBody>
-          <a:bodyPr/>
-          <a:lstStyle/>
-          <a:p>
-            <a:pPr algn="ctr"/>
-            <a:r>
-              <a:rPr kumimoji="1" lang="en-US" altLang="zh-TW" dirty="0" smtClean="0"/>
-              <a:t>Translation</a:t>
-            </a:r>
-            <a:endParaRPr kumimoji="1" lang="zh-TW" altLang="en-US" dirty="0"/>
-          </a:p>
-        </p:txBody>
-      </p:sp>
-      <p:sp>
-        <p:nvSpPr>
-          <p:cNvPr id="3" name="內容版面配置區 2"/>
-          <p:cNvSpPr>
-            <a:spLocks noGrp="1"/>
-          </p:cNvSpPr>
-          <p:nvPr>
-            <p:ph idx="1"/>
-          </p:nvPr>
-        </p:nvSpPr>
-        <p:spPr/>
-        <p:txBody>
-          <a:bodyPr/>
-          <a:lstStyle/>
-          <a:p>
-            <a:r>
-              <a:rPr kumimoji="1" lang="en-US" altLang="zh-TW" dirty="0" smtClean="0"/>
-              <a:t>For vertical side of the 2D detection box</a:t>
-            </a:r>
-          </a:p>
-          <a:p>
-            <a:r>
-              <a:rPr kumimoji="1" lang="mr-IN" altLang="zh-TW" dirty="0" smtClean="0"/>
-              <a:t>[±</a:t>
-            </a:r>
-            <a:r>
-              <a:rPr kumimoji="1" lang="mr-IN" altLang="zh-TW" dirty="0" err="1" smtClean="0"/>
-              <a:t>dx</a:t>
-            </a:r>
-            <a:r>
-              <a:rPr kumimoji="1" lang="mr-IN" altLang="zh-TW" dirty="0" smtClean="0"/>
-              <a:t>/2, .,±</a:t>
-            </a:r>
-            <a:r>
-              <a:rPr kumimoji="1" lang="mr-IN" altLang="zh-TW" dirty="0" err="1" smtClean="0"/>
-              <a:t>dz</a:t>
-            </a:r>
-            <a:r>
-              <a:rPr kumimoji="1" lang="mr-IN" altLang="zh-TW" dirty="0" smtClean="0"/>
-              <a:t>/2]</a:t>
-            </a:r>
-            <a:endParaRPr kumimoji="1" lang="en-US" altLang="zh-TW" dirty="0" smtClean="0"/>
-          </a:p>
-          <a:p>
-            <a:endParaRPr kumimoji="1" lang="en-US" altLang="zh-TW" dirty="0"/>
-          </a:p>
-          <a:p>
-            <a:r>
-              <a:rPr kumimoji="1" lang="en-US" altLang="zh-TW" dirty="0" smtClean="0"/>
-              <a:t>For horizontal side of the 2D detection box</a:t>
-            </a:r>
-          </a:p>
-          <a:p>
-            <a:r>
-              <a:rPr kumimoji="1" lang="mr-IN" altLang="zh-TW" dirty="0" smtClean="0"/>
-              <a:t>[.,±</a:t>
-            </a:r>
-            <a:r>
-              <a:rPr kumimoji="1" lang="mr-IN" altLang="zh-TW" dirty="0" err="1" smtClean="0"/>
-              <a:t>dy</a:t>
-            </a:r>
-            <a:r>
-              <a:rPr kumimoji="1" lang="mr-IN" altLang="zh-TW" dirty="0" smtClean="0"/>
-              <a:t>/2,±dz/2]</a:t>
-            </a:r>
-            <a:endParaRPr kumimoji="1" lang="en-US" altLang="zh-TW" dirty="0" smtClean="0"/>
-          </a:p>
-          <a:p>
-            <a:endParaRPr kumimoji="1" lang="zh-TW" altLang="en-US" dirty="0"/>
-          </a:p>
-        </p:txBody>
-      </p:sp>
-      <p:pic>
-        <p:nvPicPr>
-          <p:cNvPr id="5" name="圖片 4"/>
-          <p:cNvPicPr>
-            <a:picLocks noChangeAspect="1"/>
-          </p:cNvPicPr>
-          <p:nvPr/>
-        </p:nvPicPr>
-        <p:blipFill>
-          <a:blip r:embed="rId3"/>
-          <a:stretch>
-            <a:fillRect/>
-          </a:stretch>
-        </p:blipFill>
-        <p:spPr>
-          <a:xfrm>
-            <a:off x="8677967" y="1784286"/>
-            <a:ext cx="2533650" cy="2476500"/>
-          </a:xfrm>
-          <a:prstGeom prst="rect">
-            <a:avLst/>
-          </a:prstGeom>
-        </p:spPr>
-      </p:pic>
-    </p:spTree>
-    <p:extLst>
-      <p:ext uri="{BB962C8B-B14F-4D97-AF65-F5344CB8AC3E}">
-        <p14:creationId xmlns:p14="http://schemas.microsoft.com/office/powerpoint/2010/main" val="484444184"/>
-      </p:ext>
-    </p:extLst>
-  </p:cSld>
-  <p:clrMapOvr>
-    <a:masterClrMapping/>
-  </p:clrMapOvr>
-  <p:timing>
-    <p:tnLst>
-      <p:par>
-        <p:cTn id="1" dur="indefinite" restart="never" nodeType="tmRoot"/>
-      </p:par>
-    </p:tnLst>
-  </p:timing>
-</p:sld>
-</file>
-
-<file path=ppt/slides/slide13.xml><?xml version="1.0" encoding="utf-8"?>
-<p:sld xmlns:a="http://schemas.openxmlformats.org/drawingml/2006/main" xmlns:r="http://schemas.openxmlformats.org/officeDocument/2006/relationships" xmlns:p="http://schemas.openxmlformats.org/presentationml/2006/main">
-  <p:cSld>
-    <p:spTree>
-      <p:nvGrpSpPr>
-        <p:cNvPr id="1" name=""/>
-        <p:cNvGrpSpPr/>
-        <p:nvPr/>
-      </p:nvGrpSpPr>
-      <p:grpSpPr>
-        <a:xfrm>
-          <a:off x="0" y="0"/>
-          <a:ext cx="0" cy="0"/>
-          <a:chOff x="0" y="0"/>
-          <a:chExt cx="0" cy="0"/>
-        </a:xfrm>
-      </p:grpSpPr>
-      <p:pic>
-        <p:nvPicPr>
-          <p:cNvPr id="4" name="圖片 3"/>
-          <p:cNvPicPr>
-            <a:picLocks noChangeAspect="1"/>
-          </p:cNvPicPr>
-          <p:nvPr/>
-        </p:nvPicPr>
-        <p:blipFill>
-          <a:blip r:embed="rId2"/>
-          <a:stretch>
-            <a:fillRect/>
-          </a:stretch>
-        </p:blipFill>
-        <p:spPr>
-          <a:xfrm>
-            <a:off x="0" y="1729947"/>
-            <a:ext cx="12192000" cy="2670972"/>
-          </a:xfrm>
-          <a:prstGeom prst="rect">
-            <a:avLst/>
-          </a:prstGeom>
-        </p:spPr>
-      </p:pic>
-      <p:sp>
-        <p:nvSpPr>
-          <p:cNvPr id="3" name="標題 1"/>
-          <p:cNvSpPr>
-            <a:spLocks noGrp="1"/>
-          </p:cNvSpPr>
-          <p:nvPr>
-            <p:ph type="title"/>
-          </p:nvPr>
-        </p:nvSpPr>
-        <p:spPr>
-          <a:xfrm>
-            <a:off x="838200" y="365125"/>
-            <a:ext cx="10515600" cy="1325563"/>
-          </a:xfrm>
-        </p:spPr>
-        <p:txBody>
-          <a:bodyPr/>
-          <a:lstStyle/>
-          <a:p>
-            <a:pPr algn="ctr"/>
-            <a:r>
-              <a:rPr kumimoji="1" lang="en-US" altLang="zh-TW" dirty="0" smtClean="0"/>
-              <a:t>Orientation</a:t>
-            </a:r>
-            <a:endParaRPr kumimoji="1" lang="zh-TW" altLang="en-US" dirty="0"/>
-          </a:p>
-        </p:txBody>
-      </p:sp>
-    </p:spTree>
-    <p:extLst>
-      <p:ext uri="{BB962C8B-B14F-4D97-AF65-F5344CB8AC3E}">
-        <p14:creationId xmlns:p14="http://schemas.microsoft.com/office/powerpoint/2010/main" val="942894711"/>
-      </p:ext>
-    </p:extLst>
-  </p:cSld>
-  <p:clrMapOvr>
-    <a:masterClrMapping/>
-  </p:clrMapOvr>
-  <p:timing>
-    <p:tnLst>
-      <p:par>
-        <p:cTn id="1" dur="indefinite" restart="never" nodeType="tmRoot"/>
-      </p:par>
-    </p:tnLst>
-  </p:timing>
-</p:sld>
-</file>
-
-<file path=ppt/slides/slide14.xml><?xml version="1.0" encoding="utf-8"?>
-<p:sld xmlns:a="http://schemas.openxmlformats.org/drawingml/2006/main" xmlns:r="http://schemas.openxmlformats.org/officeDocument/2006/relationships" xmlns:p="http://schemas.openxmlformats.org/presentationml/2006/main">
-  <p:cSld>
-    <p:spTree>
-      <p:nvGrpSpPr>
-        <p:cNvPr id="1" name=""/>
-        <p:cNvGrpSpPr/>
-        <p:nvPr/>
-      </p:nvGrpSpPr>
-      <p:grpSpPr>
-        <a:xfrm>
-          <a:off x="0" y="0"/>
-          <a:ext cx="0" cy="0"/>
-          <a:chOff x="0" y="0"/>
-          <a:chExt cx="0" cy="0"/>
-        </a:xfrm>
-      </p:grpSpPr>
-      <p:pic>
-        <p:nvPicPr>
-          <p:cNvPr id="4" name="圖片 3"/>
-          <p:cNvPicPr>
-            <a:picLocks noChangeAspect="1"/>
-          </p:cNvPicPr>
-          <p:nvPr/>
-        </p:nvPicPr>
-        <p:blipFill>
-          <a:blip r:embed="rId2"/>
-          <a:stretch>
-            <a:fillRect/>
-          </a:stretch>
-        </p:blipFill>
-        <p:spPr>
-          <a:xfrm>
-            <a:off x="0" y="2049821"/>
-            <a:ext cx="12192000" cy="2695295"/>
-          </a:xfrm>
-          <a:prstGeom prst="rect">
-            <a:avLst/>
-          </a:prstGeom>
-        </p:spPr>
-      </p:pic>
-      <p:sp>
-        <p:nvSpPr>
-          <p:cNvPr id="5" name="標題 1"/>
-          <p:cNvSpPr>
-            <a:spLocks noGrp="1"/>
-          </p:cNvSpPr>
-          <p:nvPr>
-            <p:ph type="title"/>
-          </p:nvPr>
-        </p:nvSpPr>
-        <p:spPr>
-          <a:xfrm>
-            <a:off x="838200" y="365125"/>
-            <a:ext cx="10515600" cy="1325563"/>
-          </a:xfrm>
-        </p:spPr>
-        <p:txBody>
-          <a:bodyPr/>
-          <a:lstStyle/>
-          <a:p>
-            <a:pPr algn="ctr"/>
-            <a:r>
-              <a:rPr kumimoji="1" lang="en-US" altLang="zh-TW" dirty="0" smtClean="0"/>
-              <a:t>3D Bounding Box</a:t>
-            </a:r>
-            <a:endParaRPr kumimoji="1" lang="zh-TW" altLang="en-US" dirty="0"/>
-          </a:p>
-        </p:txBody>
-      </p:sp>
-    </p:spTree>
-    <p:extLst>
-      <p:ext uri="{BB962C8B-B14F-4D97-AF65-F5344CB8AC3E}">
-        <p14:creationId xmlns:p14="http://schemas.microsoft.com/office/powerpoint/2010/main" val="949576564"/>
-      </p:ext>
-    </p:extLst>
-  </p:cSld>
-  <p:clrMapOvr>
-    <a:masterClrMapping/>
-  </p:clrMapOvr>
-  <p:timing>
-    <p:tnLst>
-      <p:par>
-        <p:cTn id="1" dur="indefinite" restart="never" nodeType="tmRoot"/>
-      </p:par>
-    </p:tnLst>
-  </p:timing>
-</p:sld>
-</file>
-
-<file path=ppt/slides/slide15.xml><?xml version="1.0" encoding="utf-8"?>
-<p:sld xmlns:a="http://schemas.openxmlformats.org/drawingml/2006/main" xmlns:r="http://schemas.openxmlformats.org/officeDocument/2006/relationships" xmlns:p="http://schemas.openxmlformats.org/presentationml/2006/main">
-  <p:cSld>
-    <p:spTree>
-      <p:nvGrpSpPr>
-        <p:cNvPr id="1" name=""/>
-        <p:cNvGrpSpPr/>
-        <p:nvPr/>
-      </p:nvGrpSpPr>
-      <p:grpSpPr>
-        <a:xfrm>
-          <a:off x="0" y="0"/>
-          <a:ext cx="0" cy="0"/>
-          <a:chOff x="0" y="0"/>
-          <a:chExt cx="0" cy="0"/>
-        </a:xfrm>
-      </p:grpSpPr>
-      <p:sp>
-        <p:nvSpPr>
-          <p:cNvPr id="2" name="標題 1"/>
-          <p:cNvSpPr>
-            <a:spLocks noGrp="1"/>
-          </p:cNvSpPr>
-          <p:nvPr>
-            <p:ph type="title"/>
-          </p:nvPr>
-        </p:nvSpPr>
-        <p:spPr/>
-        <p:txBody>
-          <a:bodyPr/>
-          <a:lstStyle/>
-          <a:p>
-            <a:r>
-              <a:rPr kumimoji="1" lang="en-US" altLang="zh-TW" dirty="0" smtClean="0"/>
-              <a:t>3D Bounding Box Estimation</a:t>
-            </a:r>
-            <a:endParaRPr kumimoji="1" lang="zh-TW" altLang="en-US" dirty="0"/>
-          </a:p>
-        </p:txBody>
-      </p:sp>
-      <p:sp>
-        <p:nvSpPr>
-          <p:cNvPr id="3" name="內容版面配置區 2"/>
-          <p:cNvSpPr>
-            <a:spLocks noGrp="1"/>
-          </p:cNvSpPr>
-          <p:nvPr>
-            <p:ph idx="1"/>
-          </p:nvPr>
-        </p:nvSpPr>
-        <p:spPr/>
-        <p:txBody>
-          <a:bodyPr/>
-          <a:lstStyle/>
-          <a:p>
-            <a:r>
-              <a:rPr kumimoji="1" lang="en-US" altLang="zh-TW" dirty="0" smtClean="0"/>
-              <a:t>3D bounding box </a:t>
-            </a:r>
-            <a:r>
-              <a:rPr kumimoji="1" lang="en-US" altLang="zh-TW" dirty="0" smtClean="0">
-                <a:solidFill>
-                  <a:srgbClr val="FF0000"/>
-                </a:solidFill>
-              </a:rPr>
-              <a:t>initialization</a:t>
-            </a:r>
-            <a:r>
-              <a:rPr kumimoji="1" lang="en-US" altLang="zh-TW" dirty="0" smtClean="0"/>
-              <a:t> in </a:t>
-            </a:r>
-            <a:r>
-              <a:rPr kumimoji="1" lang="zh-TW" altLang="en-US" dirty="0" smtClean="0"/>
-              <a:t>家盛</a:t>
-            </a:r>
-            <a:r>
-              <a:rPr kumimoji="1" lang="en-US" altLang="zh-TW" dirty="0" smtClean="0"/>
-              <a:t>‘s tool.</a:t>
-            </a:r>
-          </a:p>
-          <a:p>
-            <a:endParaRPr kumimoji="1" lang="en-US" altLang="zh-TW" dirty="0"/>
-          </a:p>
-          <a:p>
-            <a:r>
-              <a:rPr kumimoji="1" lang="en-US" altLang="zh-TW" dirty="0" smtClean="0"/>
-              <a:t>Total </a:t>
-            </a:r>
-            <a:r>
-              <a:rPr kumimoji="1" lang="en-US" altLang="zh-TW" dirty="0" smtClean="0">
-                <a:solidFill>
-                  <a:srgbClr val="FF0000"/>
-                </a:solidFill>
-              </a:rPr>
-              <a:t>7481</a:t>
-            </a:r>
-            <a:r>
-              <a:rPr kumimoji="1" lang="en-US" altLang="zh-TW" dirty="0" smtClean="0"/>
-              <a:t> images and </a:t>
-            </a:r>
-            <a:r>
-              <a:rPr kumimoji="1" lang="en-US" altLang="zh-TW" dirty="0" smtClean="0">
-                <a:solidFill>
-                  <a:srgbClr val="FF0000"/>
-                </a:solidFill>
-              </a:rPr>
-              <a:t>40570</a:t>
-            </a:r>
-            <a:r>
-              <a:rPr kumimoji="1" lang="en-US" altLang="zh-TW" dirty="0" smtClean="0"/>
-              <a:t> crop patches</a:t>
-            </a:r>
-          </a:p>
-          <a:p>
-            <a:endParaRPr kumimoji="1" lang="en-US" altLang="zh-TW" dirty="0"/>
-          </a:p>
-          <a:p>
-            <a:r>
-              <a:rPr kumimoji="1" lang="en-US" altLang="zh-TW" dirty="0" smtClean="0">
-                <a:solidFill>
-                  <a:srgbClr val="FF0000"/>
-                </a:solidFill>
-              </a:rPr>
-              <a:t>35570</a:t>
-            </a:r>
-            <a:r>
-              <a:rPr kumimoji="1" lang="en-US" altLang="zh-TW" dirty="0" smtClean="0"/>
-              <a:t> for training</a:t>
-            </a:r>
-          </a:p>
-          <a:p>
-            <a:r>
-              <a:rPr kumimoji="1" lang="en-US" altLang="zh-TW" dirty="0" smtClean="0">
-                <a:solidFill>
-                  <a:srgbClr val="FF0000"/>
-                </a:solidFill>
-              </a:rPr>
-              <a:t>5000</a:t>
-            </a:r>
-            <a:r>
-              <a:rPr kumimoji="1" lang="en-US" altLang="zh-TW" dirty="0" smtClean="0"/>
-              <a:t> for validation</a:t>
-            </a:r>
-          </a:p>
-          <a:p>
-            <a:endParaRPr kumimoji="1" lang="en-US" altLang="zh-TW" dirty="0"/>
-          </a:p>
-          <a:p>
-            <a:endParaRPr kumimoji="1" lang="zh-TW" altLang="en-US" dirty="0"/>
-          </a:p>
-        </p:txBody>
-      </p:sp>
-      <p:pic>
-        <p:nvPicPr>
-          <p:cNvPr id="4" name="圖片 3"/>
-          <p:cNvPicPr>
-            <a:picLocks noChangeAspect="1"/>
-          </p:cNvPicPr>
-          <p:nvPr/>
-        </p:nvPicPr>
-        <p:blipFill>
-          <a:blip r:embed="rId2">
-            <a:extLst>
-              <a:ext uri="{28A0092B-C50C-407E-A947-70E740481C1C}">
-                <a14:useLocalDpi xmlns:a14="http://schemas.microsoft.com/office/drawing/2010/main" val="0"/>
-              </a:ext>
-            </a:extLst>
-          </a:blip>
-          <a:stretch>
-            <a:fillRect/>
-          </a:stretch>
-        </p:blipFill>
-        <p:spPr>
-          <a:xfrm>
-            <a:off x="8136328" y="2578894"/>
-            <a:ext cx="2844800" cy="2844800"/>
-          </a:xfrm>
-          <a:prstGeom prst="rect">
-            <a:avLst/>
-          </a:prstGeom>
-        </p:spPr>
-      </p:pic>
-    </p:spTree>
-    <p:extLst>
-      <p:ext uri="{BB962C8B-B14F-4D97-AF65-F5344CB8AC3E}">
-        <p14:creationId xmlns:p14="http://schemas.microsoft.com/office/powerpoint/2010/main" val="1601811986"/>
-      </p:ext>
-    </p:extLst>
-  </p:cSld>
-  <p:clrMapOvr>
-    <a:masterClrMapping/>
-  </p:clrMapOvr>
-  <p:timing>
-    <p:tnLst>
-      <p:par>
-        <p:cTn id="1" dur="indefinite" restart="never" nodeType="tmRoot"/>
-      </p:par>
-    </p:tnLst>
-  </p:timing>
-</p:sld>
-</file>
-
 <file path=ppt/slides/slide16.xml><?xml version="1.0" encoding="utf-8"?>
-<p:sld xmlns:a="http://schemas.openxmlformats.org/drawingml/2006/main" xmlns:r="http://schemas.openxmlformats.org/officeDocument/2006/relationships" xmlns:p="http://schemas.openxmlformats.org/presentationml/2006/main">
+<p:sld xmlns:a="http://schemas.openxmlformats.org/drawingml/2006/main" xmlns:r="http://schemas.openxmlformats.org/officeDocument/2006/relationships" xmlns:p="http://schemas.openxmlformats.org/presentationml/2006/main" show="0">
   <p:cSld>
     <p:spTree>
       <p:nvGrpSpPr>
@@ -4080,6 +4536,14 @@
   <p:clrMapOvr>
     <a:masterClrMapping/>
   </p:clrMapOvr>
+  <mc:AlternateContent xmlns:mc="http://schemas.openxmlformats.org/markup-compatibility/2006">
+    <mc:Choice xmlns:p14="http://schemas.microsoft.com/office/powerpoint/2010/main" Requires="p14">
+      <p:transition spd="slow" p14:dur="2000"/>
+    </mc:Choice>
+    <mc:Fallback>
+      <p:transition spd="slow"/>
+    </mc:Fallback>
+  </mc:AlternateContent>
   <p:timing>
     <p:tnLst>
       <p:par>
@@ -4091,7 +4555,7 @@
 </file>
 
 <file path=ppt/slides/slide17.xml><?xml version="1.0" encoding="utf-8"?>
-<p:sld xmlns:a="http://schemas.openxmlformats.org/drawingml/2006/main" xmlns:r="http://schemas.openxmlformats.org/officeDocument/2006/relationships" xmlns:p="http://schemas.openxmlformats.org/presentationml/2006/main">
+<p:sld xmlns:a="http://schemas.openxmlformats.org/drawingml/2006/main" xmlns:r="http://schemas.openxmlformats.org/officeDocument/2006/relationships" xmlns:p="http://schemas.openxmlformats.org/presentationml/2006/main" show="0">
   <p:cSld>
     <p:spTree>
       <p:nvGrpSpPr>
@@ -4147,6 +4611,14 @@
   <p:clrMapOvr>
     <a:masterClrMapping/>
   </p:clrMapOvr>
+  <mc:AlternateContent xmlns:mc="http://schemas.openxmlformats.org/markup-compatibility/2006">
+    <mc:Choice xmlns:p14="http://schemas.microsoft.com/office/powerpoint/2010/main" Requires="p14">
+      <p:transition spd="slow" p14:dur="2000"/>
+    </mc:Choice>
+    <mc:Fallback>
+      <p:transition spd="slow"/>
+    </mc:Fallback>
+  </mc:AlternateContent>
   <p:timing>
     <p:tnLst>
       <p:par>
@@ -4174,77 +4646,62 @@
           <a:chExt cx="0" cy="0"/>
         </a:xfrm>
       </p:grpSpPr>
-      <p:sp>
-        <p:nvSpPr>
-          <p:cNvPr id="2" name="標題 1"/>
-          <p:cNvSpPr>
-            <a:spLocks noGrp="1"/>
-          </p:cNvSpPr>
-          <p:nvPr>
-            <p:ph type="title"/>
-          </p:nvPr>
-        </p:nvSpPr>
-        <p:spPr/>
-        <p:txBody>
-          <a:bodyPr/>
-          <a:lstStyle/>
-          <a:p>
-            <a:pPr algn="ctr"/>
-            <a:r>
-              <a:rPr kumimoji="1" lang="en-US" altLang="zh-TW" dirty="0" err="1" smtClean="0"/>
-              <a:t>oToBrite</a:t>
-            </a:r>
-            <a:endParaRPr kumimoji="1" lang="zh-TW" altLang="en-US" dirty="0"/>
-          </a:p>
-        </p:txBody>
-      </p:sp>
-      <p:sp>
-        <p:nvSpPr>
-          <p:cNvPr id="3" name="內容版面配置區 2"/>
-          <p:cNvSpPr>
-            <a:spLocks noGrp="1"/>
-          </p:cNvSpPr>
-          <p:nvPr>
-            <p:ph idx="1"/>
-          </p:nvPr>
-        </p:nvSpPr>
-        <p:spPr/>
-        <p:txBody>
-          <a:bodyPr/>
-          <a:lstStyle/>
-          <a:p>
-            <a:endParaRPr kumimoji="1" lang="en-US" altLang="zh-TW" dirty="0" smtClean="0"/>
-          </a:p>
+      <p:pic>
+        <p:nvPicPr>
+          <p:cNvPr id="4" name="圖片 3"/>
+          <p:cNvPicPr>
+            <a:picLocks noChangeAspect="1"/>
+          </p:cNvPicPr>
+          <p:nvPr/>
+        </p:nvPicPr>
+        <p:blipFill>
+          <a:blip r:embed="rId2">
+            <a:extLst>
+              <a:ext uri="{28A0092B-C50C-407E-A947-70E740481C1C}">
+                <a14:useLocalDpi xmlns:a14="http://schemas.microsoft.com/office/drawing/2010/main" val="0"/>
+              </a:ext>
+            </a:extLst>
+          </a:blip>
+          <a:stretch>
+            <a:fillRect/>
+          </a:stretch>
+        </p:blipFill>
+        <p:spPr>
+          <a:xfrm>
+            <a:off x="2555103" y="466555"/>
+            <a:ext cx="7602152" cy="5962652"/>
+          </a:xfrm>
+          <a:prstGeom prst="rect">
+            <a:avLst/>
+          </a:prstGeom>
+        </p:spPr>
+      </p:pic>
+      <p:sp>
+        <p:nvSpPr>
+          <p:cNvPr id="5" name="文字方塊 4"/>
+          <p:cNvSpPr txBox="1"/>
+          <p:nvPr/>
+        </p:nvSpPr>
+        <p:spPr>
+          <a:xfrm>
+            <a:off x="432486" y="642551"/>
+            <a:ext cx="1816444" cy="369332"/>
+          </a:xfrm>
+          <a:prstGeom prst="rect">
+            <a:avLst/>
+          </a:prstGeom>
+          <a:noFill/>
+        </p:spPr>
+        <p:txBody>
+          <a:bodyPr wrap="square" rtlCol="0">
+            <a:spAutoFit/>
+          </a:bodyPr>
+          <a:lstStyle/>
           <a:p>
             <a:r>
               <a:rPr kumimoji="1" lang="en-US" altLang="zh-TW" dirty="0" smtClean="0"/>
-              <a:t>Remote sensing dataset</a:t>
-            </a:r>
-          </a:p>
-          <a:p>
-            <a:endParaRPr kumimoji="1" lang="en-US" altLang="zh-TW" dirty="0"/>
-          </a:p>
-          <a:p>
-            <a:r>
-              <a:rPr kumimoji="1" lang="en-US" altLang="zh-TW" dirty="0" smtClean="0"/>
-              <a:t>Bird’s eye view semantic segmentation</a:t>
-            </a:r>
-          </a:p>
-          <a:p>
-            <a:endParaRPr kumimoji="1" lang="en-US" altLang="zh-TW" dirty="0" smtClean="0"/>
-          </a:p>
-          <a:p>
-            <a:r>
-              <a:rPr lang="en-US" altLang="zh-TW" dirty="0"/>
-              <a:t>3D Reconstruction by Structure from </a:t>
-            </a:r>
-            <a:r>
-              <a:rPr lang="en-US" altLang="zh-TW" dirty="0" smtClean="0"/>
-              <a:t>Motion</a:t>
-            </a:r>
-            <a:endParaRPr kumimoji="1" lang="en-US" altLang="zh-TW" dirty="0"/>
-          </a:p>
-          <a:p>
+              <a:t>Training Set</a:t>
+            </a:r>
             <a:endParaRPr kumimoji="1" lang="zh-TW" altLang="en-US" dirty="0"/>
           </a:p>
         </p:txBody>
@@ -4252,20 +4709,103 @@
     </p:spTree>
     <p:extLst>
       <p:ext uri="{BB962C8B-B14F-4D97-AF65-F5344CB8AC3E}">
-        <p14:creationId xmlns:p14="http://schemas.microsoft.com/office/powerpoint/2010/main" val="1981207190"/>
+        <p14:creationId xmlns:p14="http://schemas.microsoft.com/office/powerpoint/2010/main" val="1454636984"/>
       </p:ext>
     </p:extLst>
   </p:cSld>
   <p:clrMapOvr>
     <a:masterClrMapping/>
   </p:clrMapOvr>
-  <p:timing>
-    <p:tnLst>
-      <p:par>
-        <p:cTn id="1" dur="indefinite" restart="never" nodeType="tmRoot"/>
-      </p:par>
-    </p:tnLst>
-  </p:timing>
+</p:sld>
+</file>
+
+<file path=ppt/slides/slide19.xml><?xml version="1.0" encoding="utf-8"?>
+<p:sld xmlns:a="http://schemas.openxmlformats.org/drawingml/2006/main" xmlns:r="http://schemas.openxmlformats.org/officeDocument/2006/relationships" xmlns:p="http://schemas.openxmlformats.org/presentationml/2006/main">
+  <p:cSld>
+    <p:spTree>
+      <p:nvGrpSpPr>
+        <p:cNvPr id="1" name=""/>
+        <p:cNvGrpSpPr/>
+        <p:nvPr/>
+      </p:nvGrpSpPr>
+      <p:grpSpPr>
+        <a:xfrm>
+          <a:off x="0" y="0"/>
+          <a:ext cx="0" cy="0"/>
+          <a:chOff x="0" y="0"/>
+          <a:chExt cx="0" cy="0"/>
+        </a:xfrm>
+      </p:grpSpPr>
+      <p:sp>
+        <p:nvSpPr>
+          <p:cNvPr id="4" name="文字方塊 3"/>
+          <p:cNvSpPr txBox="1"/>
+          <p:nvPr/>
+        </p:nvSpPr>
+        <p:spPr>
+          <a:xfrm>
+            <a:off x="432486" y="642551"/>
+            <a:ext cx="1816444" cy="369332"/>
+          </a:xfrm>
+          <a:prstGeom prst="rect">
+            <a:avLst/>
+          </a:prstGeom>
+          <a:noFill/>
+        </p:spPr>
+        <p:txBody>
+          <a:bodyPr wrap="square" rtlCol="0">
+            <a:spAutoFit/>
+          </a:bodyPr>
+          <a:lstStyle/>
+          <a:p>
+            <a:r>
+              <a:rPr kumimoji="1" lang="en-US" altLang="zh-TW" dirty="0" smtClean="0"/>
+              <a:t>Training Set</a:t>
+            </a:r>
+            <a:endParaRPr kumimoji="1" lang="zh-TW" altLang="en-US" dirty="0"/>
+          </a:p>
+        </p:txBody>
+      </p:sp>
+      <p:pic>
+        <p:nvPicPr>
+          <p:cNvPr id="5" name="圖片 4"/>
+          <p:cNvPicPr>
+            <a:picLocks noChangeAspect="1"/>
+          </p:cNvPicPr>
+          <p:nvPr/>
+        </p:nvPicPr>
+        <p:blipFill>
+          <a:blip r:embed="rId3">
+            <a:extLst>
+              <a:ext uri="{28A0092B-C50C-407E-A947-70E740481C1C}">
+                <a14:useLocalDpi xmlns:a14="http://schemas.microsoft.com/office/drawing/2010/main" val="0"/>
+              </a:ext>
+            </a:extLst>
+          </a:blip>
+          <a:stretch>
+            <a:fillRect/>
+          </a:stretch>
+        </p:blipFill>
+        <p:spPr>
+          <a:xfrm>
+            <a:off x="2543432" y="379821"/>
+            <a:ext cx="7514967" cy="5944403"/>
+          </a:xfrm>
+          <a:prstGeom prst="rect">
+            <a:avLst/>
+          </a:prstGeom>
+        </p:spPr>
+      </p:pic>
+    </p:spTree>
+    <p:extLst>
+      <p:ext uri="{BB962C8B-B14F-4D97-AF65-F5344CB8AC3E}">
+        <p14:creationId xmlns:p14="http://schemas.microsoft.com/office/powerpoint/2010/main" val="916130059"/>
+      </p:ext>
+    </p:extLst>
+  </p:cSld>
+  <p:clrMapOvr>
+    <a:masterClrMapping/>
+  </p:clrMapOvr>
 </p:sld>
 </file>
 
@@ -4380,6 +4920,313 @@
   <p:clrMapOvr>
     <a:masterClrMapping/>
   </p:clrMapOvr>
+  <p:timing>
+    <p:tnLst>
+      <p:par>
+        <p:cTn id="1" dur="indefinite" restart="never" nodeType="tmRoot"/>
+      </p:par>
+    </p:tnLst>
+  </p:timing>
+</p:sld>
+</file>
+
+<file path=ppt/slides/slide20.xml><?xml version="1.0" encoding="utf-8"?>
+<p:sld xmlns:a="http://schemas.openxmlformats.org/drawingml/2006/main" xmlns:r="http://schemas.openxmlformats.org/officeDocument/2006/relationships" xmlns:p="http://schemas.openxmlformats.org/presentationml/2006/main">
+  <p:cSld>
+    <p:spTree>
+      <p:nvGrpSpPr>
+        <p:cNvPr id="1" name=""/>
+        <p:cNvGrpSpPr/>
+        <p:nvPr/>
+      </p:nvGrpSpPr>
+      <p:grpSpPr>
+        <a:xfrm>
+          <a:off x="0" y="0"/>
+          <a:ext cx="0" cy="0"/>
+          <a:chOff x="0" y="0"/>
+          <a:chExt cx="0" cy="0"/>
+        </a:xfrm>
+      </p:grpSpPr>
+      <p:sp>
+        <p:nvSpPr>
+          <p:cNvPr id="4" name="文字方塊 3"/>
+          <p:cNvSpPr txBox="1"/>
+          <p:nvPr/>
+        </p:nvSpPr>
+        <p:spPr>
+          <a:xfrm>
+            <a:off x="432486" y="642551"/>
+            <a:ext cx="1816444" cy="369332"/>
+          </a:xfrm>
+          <a:prstGeom prst="rect">
+            <a:avLst/>
+          </a:prstGeom>
+          <a:noFill/>
+        </p:spPr>
+        <p:txBody>
+          <a:bodyPr wrap="square" rtlCol="0">
+            <a:spAutoFit/>
+          </a:bodyPr>
+          <a:lstStyle/>
+          <a:p>
+            <a:r>
+              <a:rPr kumimoji="1" lang="en-US" altLang="zh-TW" dirty="0" err="1" smtClean="0"/>
+              <a:t>Eval</a:t>
+            </a:r>
+            <a:r>
+              <a:rPr kumimoji="1" lang="en-US" altLang="zh-TW" dirty="0" smtClean="0"/>
+              <a:t> Set</a:t>
+            </a:r>
+            <a:endParaRPr kumimoji="1" lang="zh-TW" altLang="en-US" dirty="0"/>
+          </a:p>
+        </p:txBody>
+      </p:sp>
+      <p:pic>
+        <p:nvPicPr>
+          <p:cNvPr id="5" name="圖片 4"/>
+          <p:cNvPicPr>
+            <a:picLocks noChangeAspect="1"/>
+          </p:cNvPicPr>
+          <p:nvPr/>
+        </p:nvPicPr>
+        <p:blipFill>
+          <a:blip r:embed="rId2">
+            <a:extLst>
+              <a:ext uri="{28A0092B-C50C-407E-A947-70E740481C1C}">
+                <a14:useLocalDpi xmlns:a14="http://schemas.microsoft.com/office/drawing/2010/main" val="0"/>
+              </a:ext>
+            </a:extLst>
+          </a:blip>
+          <a:stretch>
+            <a:fillRect/>
+          </a:stretch>
+        </p:blipFill>
+        <p:spPr>
+          <a:xfrm>
+            <a:off x="2419178" y="494269"/>
+            <a:ext cx="7367374" cy="5778507"/>
+          </a:xfrm>
+          <a:prstGeom prst="rect">
+            <a:avLst/>
+          </a:prstGeom>
+        </p:spPr>
+      </p:pic>
+    </p:spTree>
+    <p:extLst>
+      <p:ext uri="{BB962C8B-B14F-4D97-AF65-F5344CB8AC3E}">
+        <p14:creationId xmlns:p14="http://schemas.microsoft.com/office/powerpoint/2010/main" val="900627538"/>
+      </p:ext>
+    </p:extLst>
+  </p:cSld>
+  <p:clrMapOvr>
+    <a:masterClrMapping/>
+  </p:clrMapOvr>
+</p:sld>
+</file>
+
+<file path=ppt/slides/slide21.xml><?xml version="1.0" encoding="utf-8"?>
+<p:sld xmlns:a="http://schemas.openxmlformats.org/drawingml/2006/main" xmlns:r="http://schemas.openxmlformats.org/officeDocument/2006/relationships" xmlns:p="http://schemas.openxmlformats.org/presentationml/2006/main">
+  <p:cSld>
+    <p:spTree>
+      <p:nvGrpSpPr>
+        <p:cNvPr id="1" name=""/>
+        <p:cNvGrpSpPr/>
+        <p:nvPr/>
+      </p:nvGrpSpPr>
+      <p:grpSpPr>
+        <a:xfrm>
+          <a:off x="0" y="0"/>
+          <a:ext cx="0" cy="0"/>
+          <a:chOff x="0" y="0"/>
+          <a:chExt cx="0" cy="0"/>
+        </a:xfrm>
+      </p:grpSpPr>
+      <p:sp>
+        <p:nvSpPr>
+          <p:cNvPr id="4" name="文字方塊 3"/>
+          <p:cNvSpPr txBox="1"/>
+          <p:nvPr/>
+        </p:nvSpPr>
+        <p:spPr>
+          <a:xfrm>
+            <a:off x="432486" y="642551"/>
+            <a:ext cx="1816444" cy="369332"/>
+          </a:xfrm>
+          <a:prstGeom prst="rect">
+            <a:avLst/>
+          </a:prstGeom>
+          <a:noFill/>
+        </p:spPr>
+        <p:txBody>
+          <a:bodyPr wrap="square" rtlCol="0">
+            <a:spAutoFit/>
+          </a:bodyPr>
+          <a:lstStyle/>
+          <a:p>
+            <a:r>
+              <a:rPr kumimoji="1" lang="en-US" altLang="zh-TW" dirty="0" err="1" smtClean="0"/>
+              <a:t>Eval</a:t>
+            </a:r>
+            <a:r>
+              <a:rPr kumimoji="1" lang="en-US" altLang="zh-TW" dirty="0" smtClean="0"/>
+              <a:t> Set</a:t>
+            </a:r>
+            <a:endParaRPr kumimoji="1" lang="zh-TW" altLang="en-US" dirty="0"/>
+          </a:p>
+        </p:txBody>
+      </p:sp>
+      <p:pic>
+        <p:nvPicPr>
+          <p:cNvPr id="5" name="圖片 4"/>
+          <p:cNvPicPr>
+            <a:picLocks noChangeAspect="1"/>
+          </p:cNvPicPr>
+          <p:nvPr/>
+        </p:nvPicPr>
+        <p:blipFill>
+          <a:blip r:embed="rId2">
+            <a:extLst>
+              <a:ext uri="{28A0092B-C50C-407E-A947-70E740481C1C}">
+                <a14:useLocalDpi xmlns:a14="http://schemas.microsoft.com/office/drawing/2010/main" val="0"/>
+              </a:ext>
+            </a:extLst>
+          </a:blip>
+          <a:stretch>
+            <a:fillRect/>
+          </a:stretch>
+        </p:blipFill>
+        <p:spPr>
+          <a:xfrm>
+            <a:off x="2248930" y="185353"/>
+            <a:ext cx="8022231" cy="6499654"/>
+          </a:xfrm>
+          <a:prstGeom prst="rect">
+            <a:avLst/>
+          </a:prstGeom>
+        </p:spPr>
+      </p:pic>
+    </p:spTree>
+    <p:extLst>
+      <p:ext uri="{BB962C8B-B14F-4D97-AF65-F5344CB8AC3E}">
+        <p14:creationId xmlns:p14="http://schemas.microsoft.com/office/powerpoint/2010/main" val="1314965204"/>
+      </p:ext>
+    </p:extLst>
+  </p:cSld>
+  <p:clrMapOvr>
+    <a:masterClrMapping/>
+  </p:clrMapOvr>
+</p:sld>
+</file>
+
+<file path=ppt/slides/slide22.xml><?xml version="1.0" encoding="utf-8"?>
+<p:sld xmlns:a="http://schemas.openxmlformats.org/drawingml/2006/main" xmlns:r="http://schemas.openxmlformats.org/officeDocument/2006/relationships" xmlns:p="http://schemas.openxmlformats.org/presentationml/2006/main">
+  <p:cSld>
+    <p:spTree>
+      <p:nvGrpSpPr>
+        <p:cNvPr id="1" name=""/>
+        <p:cNvGrpSpPr/>
+        <p:nvPr/>
+      </p:nvGrpSpPr>
+      <p:grpSpPr>
+        <a:xfrm>
+          <a:off x="0" y="0"/>
+          <a:ext cx="0" cy="0"/>
+          <a:chOff x="0" y="0"/>
+          <a:chExt cx="0" cy="0"/>
+        </a:xfrm>
+      </p:grpSpPr>
+      <p:sp>
+        <p:nvSpPr>
+          <p:cNvPr id="2" name="標題 1"/>
+          <p:cNvSpPr>
+            <a:spLocks noGrp="1"/>
+          </p:cNvSpPr>
+          <p:nvPr>
+            <p:ph type="title"/>
+          </p:nvPr>
+        </p:nvSpPr>
+        <p:spPr/>
+        <p:txBody>
+          <a:bodyPr/>
+          <a:lstStyle/>
+          <a:p>
+            <a:pPr algn="ctr"/>
+            <a:r>
+              <a:rPr kumimoji="1" lang="en-US" altLang="zh-TW" dirty="0" err="1" smtClean="0"/>
+              <a:t>oToBrite</a:t>
+            </a:r>
+            <a:endParaRPr kumimoji="1" lang="zh-TW" altLang="en-US" dirty="0"/>
+          </a:p>
+        </p:txBody>
+      </p:sp>
+      <p:sp>
+        <p:nvSpPr>
+          <p:cNvPr id="3" name="內容版面配置區 2"/>
+          <p:cNvSpPr>
+            <a:spLocks noGrp="1"/>
+          </p:cNvSpPr>
+          <p:nvPr>
+            <p:ph idx="1"/>
+          </p:nvPr>
+        </p:nvSpPr>
+        <p:spPr/>
+        <p:txBody>
+          <a:bodyPr/>
+          <a:lstStyle/>
+          <a:p>
+            <a:endParaRPr kumimoji="1" lang="en-US" altLang="zh-TW" dirty="0" smtClean="0"/>
+          </a:p>
+          <a:p>
+            <a:r>
+              <a:rPr kumimoji="1" lang="en-US" altLang="zh-TW" dirty="0" smtClean="0"/>
+              <a:t>Remote sensing dataset</a:t>
+            </a:r>
+          </a:p>
+          <a:p>
+            <a:endParaRPr kumimoji="1" lang="en-US" altLang="zh-TW" dirty="0"/>
+          </a:p>
+          <a:p>
+            <a:r>
+              <a:rPr kumimoji="1" lang="en-US" altLang="zh-TW" dirty="0" smtClean="0"/>
+              <a:t>Bird’s eye view semantic segmentation</a:t>
+            </a:r>
+          </a:p>
+          <a:p>
+            <a:endParaRPr kumimoji="1" lang="en-US" altLang="zh-TW" dirty="0" smtClean="0"/>
+          </a:p>
+          <a:p>
+            <a:r>
+              <a:rPr lang="en-US" altLang="zh-TW" dirty="0"/>
+              <a:t>3D Reconstruction by Structure from </a:t>
+            </a:r>
+            <a:r>
+              <a:rPr lang="en-US" altLang="zh-TW" dirty="0" smtClean="0"/>
+              <a:t>Motion</a:t>
+            </a:r>
+            <a:endParaRPr kumimoji="1" lang="en-US" altLang="zh-TW" dirty="0"/>
+          </a:p>
+          <a:p>
+            <a:endParaRPr kumimoji="1" lang="zh-TW" altLang="en-US" dirty="0"/>
+          </a:p>
+        </p:txBody>
+      </p:sp>
+    </p:spTree>
+    <p:extLst>
+      <p:ext uri="{BB962C8B-B14F-4D97-AF65-F5344CB8AC3E}">
+        <p14:creationId xmlns:p14="http://schemas.microsoft.com/office/powerpoint/2010/main" val="1981207190"/>
+      </p:ext>
+    </p:extLst>
+  </p:cSld>
+  <p:clrMapOvr>
+    <a:masterClrMapping/>
+  </p:clrMapOvr>
+  <p:timing>
+    <p:tnLst>
+      <p:par>
+        <p:cTn id="1" dur="indefinite" restart="never" nodeType="tmRoot"/>
+      </p:par>
+    </p:tnLst>
+  </p:timing>
 </p:sld>
 </file>
 
@@ -5393,7 +6240,7 @@
           <a:p>
             <a:pPr algn="ctr"/>
             <a:r>
-              <a:rPr kumimoji="1" lang="en-US" altLang="zh-TW" smtClean="0"/>
+              <a:rPr kumimoji="1" lang="en-US" altLang="zh-TW" dirty="0" smtClean="0"/>
               <a:t>Predict Orientation</a:t>
             </a:r>
             <a:endParaRPr kumimoji="1" lang="zh-TW" altLang="en-US" dirty="0"/>
@@ -6653,4 +7500,265 @@
     </a:ext>
   </a:extLst>
 </a:theme>
+</file>
+
+<file path=ppt/theme/theme2.xml><?xml version="1.0" encoding="utf-8"?>
+<a:theme xmlns:a="http://schemas.openxmlformats.org/drawingml/2006/main" name="Office 佈景主題">
+  <a:themeElements>
+    <a:clrScheme name="Office">
+      <a:dk1>
+        <a:sysClr val="windowText" lastClr="000000"/>
+      </a:dk1>
+      <a:lt1>
+        <a:sysClr val="window" lastClr="FFFFFF"/>
+      </a:lt1>
+      <a:dk2>
+        <a:srgbClr val="44546A"/>
+      </a:dk2>
+      <a:lt2>
+        <a:srgbClr val="E7E6E6"/>
+      </a:lt2>
+      <a:accent1>
+        <a:srgbClr val="5B9BD5"/>
+      </a:accent1>
+      <a:accent2>
+        <a:srgbClr val="ED7D31"/>
+      </a:accent2>
+      <a:accent3>
+        <a:srgbClr val="A5A5A5"/>
+      </a:accent3>
+      <a:accent4>
+        <a:srgbClr val="FFC000"/>
+      </a:accent4>
+      <a:accent5>
+        <a:srgbClr val="4472C4"/>
+      </a:accent5>
+      <a:accent6>
+        <a:srgbClr val="70AD47"/>
+      </a:accent6>
+      <a:hlink>
+        <a:srgbClr val="0563C1"/>
+      </a:hlink>
+      <a:folHlink>
+        <a:srgbClr val="954F72"/>
+      </a:folHlink>
+    </a:clrScheme>
+    <a:fontScheme name="Office">
+      <a:majorFont>
+        <a:latin typeface="Calibri Light" panose="020F0302020204030204"/>
+        <a:ea typeface=""/>
+        <a:cs typeface=""/>
+        <a:font script="Jpan" typeface="Yu Gothic Light"/>
+        <a:font script="Hang" typeface="맑은 고딕"/>
+        <a:font script="Hans" typeface="DengXian Light"/>
+        <a:font script="Hant" typeface="新細明體"/>
+        <a:font script="Arab" typeface="Times New Roman"/>
+        <a:font script="Hebr" typeface="Times New Roman"/>
+        <a:font script="Thai" typeface="Angsana New"/>
+        <a:font script="Ethi" typeface="Nyala"/>
+        <a:font script="Beng" typeface="Vrinda"/>
+        <a:font script="Gujr" typeface="Shruti"/>
+        <a:font script="Khmr" typeface="MoolBoran"/>
+        <a:font script="Knda" typeface="Tunga"/>
+        <a:font script="Guru" typeface="Raavi"/>
+        <a:font script="Cans" typeface="Euphemia"/>
+        <a:font script="Cher" typeface="Plantagenet Cherokee"/>
+        <a:font script="Yiii" typeface="Microsoft Yi Baiti"/>
+        <a:font script="Tibt" typeface="Microsoft Himalaya"/>
+        <a:font script="Thaa" typeface="MV Boli"/>
+        <a:font script="Deva" typeface="Mangal"/>
+        <a:font script="Telu" typeface="Gautami"/>
+        <a:font script="Taml" typeface="Latha"/>
+        <a:font script="Syrc" typeface="Estrangelo Edessa"/>
+        <a:font script="Orya" typeface="Kalinga"/>
+        <a:font script="Mlym" typeface="Kartika"/>
+        <a:font script="Laoo" typeface="DokChampa"/>
+        <a:font script="Sinh" typeface="Iskoola Pota"/>
+        <a:font script="Mong" typeface="Mongolian Baiti"/>
+        <a:font script="Viet" typeface="Times New Roman"/>
+        <a:font script="Uigh" typeface="Microsoft Uighur"/>
+        <a:font script="Geor" typeface="Sylfaen"/>
+      </a:majorFont>
+      <a:minorFont>
+        <a:latin typeface="Calibri" panose="020F0502020204030204"/>
+        <a:ea typeface=""/>
+        <a:cs typeface=""/>
+        <a:font script="Jpan" typeface="Yu Gothic"/>
+        <a:font script="Hang" typeface="맑은 고딕"/>
+        <a:font script="Hans" typeface="DengXian"/>
+        <a:font script="Hant" typeface="新細明體"/>
+        <a:font script="Arab" typeface="Arial"/>
+        <a:font script="Hebr" typeface="Arial"/>
+        <a:font script="Thai" typeface="Cordia New"/>
+        <a:font script="Ethi" typeface="Nyala"/>
+        <a:font script="Beng" typeface="Vrinda"/>
+        <a:font script="Gujr" typeface="Shruti"/>
+        <a:font script="Khmr" typeface="DaunPenh"/>
+        <a:font script="Knda" typeface="Tunga"/>
+        <a:font script="Guru" typeface="Raavi"/>
+        <a:font script="Cans" typeface="Euphemia"/>
+        <a:font script="Cher" typeface="Plantagenet Cherokee"/>
+        <a:font script="Yiii" typeface="Microsoft Yi Baiti"/>
+        <a:font script="Tibt" typeface="Microsoft Himalaya"/>
+        <a:font script="Thaa" typeface="MV Boli"/>
+        <a:font script="Deva" typeface="Mangal"/>
+        <a:font script="Telu" typeface="Gautami"/>
+        <a:font script="Taml" typeface="Latha"/>
+        <a:font script="Syrc" typeface="Estrangelo Edessa"/>
+        <a:font script="Orya" typeface="Kalinga"/>
+        <a:font script="Mlym" typeface="Kartika"/>
+        <a:font script="Laoo" typeface="DokChampa"/>
+        <a:font script="Sinh" typeface="Iskoola Pota"/>
+        <a:font script="Mong" typeface="Mongolian Baiti"/>
+        <a:font script="Viet" typeface="Arial"/>
+        <a:font script="Uigh" typeface="Microsoft Uighur"/>
+        <a:font script="Geor" typeface="Sylfaen"/>
+      </a:minorFont>
+    </a:fontScheme>
+    <a:fmtScheme name="Office">
+      <a:fillStyleLst>
+        <a:solidFill>
+          <a:schemeClr val="phClr"/>
+        </a:solidFill>
+        <a:gradFill rotWithShape="1">
+          <a:gsLst>
+            <a:gs pos="0">
+              <a:schemeClr val="phClr">
+                <a:lumMod val="110000"/>
+                <a:satMod val="105000"/>
+                <a:tint val="67000"/>
+              </a:schemeClr>
+            </a:gs>
+            <a:gs pos="50000">
+              <a:schemeClr val="phClr">
+                <a:lumMod val="105000"/>
+                <a:satMod val="103000"/>
+                <a:tint val="73000"/>
+              </a:schemeClr>
+            </a:gs>
+            <a:gs pos="100000">
+              <a:schemeClr val="phClr">
+                <a:lumMod val="105000"/>
+                <a:satMod val="109000"/>
+                <a:tint val="81000"/>
+              </a:schemeClr>
+            </a:gs>
+          </a:gsLst>
+          <a:lin ang="5400000" scaled="0"/>
+        </a:gradFill>
+        <a:gradFill rotWithShape="1">
+          <a:gsLst>
+            <a:gs pos="0">
+              <a:schemeClr val="phClr">
+                <a:satMod val="103000"/>
+                <a:lumMod val="102000"/>
+                <a:tint val="94000"/>
+              </a:schemeClr>
+            </a:gs>
+            <a:gs pos="50000">
+              <a:schemeClr val="phClr">
+                <a:satMod val="110000"/>
+                <a:lumMod val="100000"/>
+                <a:shade val="100000"/>
+              </a:schemeClr>
+            </a:gs>
+            <a:gs pos="100000">
+              <a:schemeClr val="phClr">
+                <a:lumMod val="99000"/>
+                <a:satMod val="120000"/>
+                <a:shade val="78000"/>
+              </a:schemeClr>
+            </a:gs>
+          </a:gsLst>
+          <a:lin ang="5400000" scaled="0"/>
+        </a:gradFill>
+      </a:fillStyleLst>
+      <a:lnStyleLst>
+        <a:ln w="6350" cap="flat" cmpd="sng" algn="ctr">
+          <a:solidFill>
+            <a:schemeClr val="phClr"/>
+          </a:solidFill>
+          <a:prstDash val="solid"/>
+          <a:miter lim="800000"/>
+        </a:ln>
+        <a:ln w="12700" cap="flat" cmpd="sng" algn="ctr">
+          <a:solidFill>
+            <a:schemeClr val="phClr"/>
+          </a:solidFill>
+          <a:prstDash val="solid"/>
+          <a:miter lim="800000"/>
+        </a:ln>
+        <a:ln w="19050" cap="flat" cmpd="sng" algn="ctr">
+          <a:solidFill>
+            <a:schemeClr val="phClr"/>
+          </a:solidFill>
+          <a:prstDash val="solid"/>
+          <a:miter lim="800000"/>
+        </a:ln>
+      </a:lnStyleLst>
+      <a:effectStyleLst>
+        <a:effectStyle>
+          <a:effectLst/>
+        </a:effectStyle>
+        <a:effectStyle>
+          <a:effectLst/>
+        </a:effectStyle>
+        <a:effectStyle>
+          <a:effectLst>
+            <a:outerShdw blurRad="57150" dist="19050" dir="5400000" algn="ctr" rotWithShape="0">
+              <a:srgbClr val="000000">
+                <a:alpha val="63000"/>
+              </a:srgbClr>
+            </a:outerShdw>
+          </a:effectLst>
+        </a:effectStyle>
+      </a:effectStyleLst>
+      <a:bgFillStyleLst>
+        <a:solidFill>
+          <a:schemeClr val="phClr"/>
+        </a:solidFill>
+        <a:solidFill>
+          <a:schemeClr val="phClr">
+            <a:tint val="95000"/>
+            <a:satMod val="170000"/>
+          </a:schemeClr>
+        </a:solidFill>
+        <a:gradFill rotWithShape="1">
+          <a:gsLst>
+            <a:gs pos="0">
+              <a:schemeClr val="phClr">
+                <a:tint val="93000"/>
+                <a:satMod val="150000"/>
+                <a:shade val="98000"/>
+                <a:lumMod val="102000"/>
+              </a:schemeClr>
+            </a:gs>
+            <a:gs pos="50000">
+              <a:schemeClr val="phClr">
+                <a:tint val="98000"/>
+                <a:satMod val="130000"/>
+                <a:shade val="90000"/>
+                <a:lumMod val="103000"/>
+              </a:schemeClr>
+            </a:gs>
+            <a:gs pos="100000">
+              <a:schemeClr val="phClr">
+                <a:shade val="63000"/>
+                <a:satMod val="120000"/>
+              </a:schemeClr>
+            </a:gs>
+          </a:gsLst>
+          <a:lin ang="5400000" scaled="0"/>
+        </a:gradFill>
+      </a:bgFillStyleLst>
+    </a:fmtScheme>
+  </a:themeElements>
+  <a:objectDefaults/>
+  <a:extraClrSchemeLst/>
+  <a:extLst>
+    <a:ext uri="{05A4C25C-085E-4340-85A3-A5531E510DB2}">
+      <thm15:themeFamily xmlns:thm15="http://schemas.microsoft.com/office/thememl/2012/main" name="Office Theme" id="{62F939B6-93AF-4DB8-9C6B-D6C7DFDC589F}" vid="{4A3C46E8-61CC-4603-A589-7422A47A8E4A}"/>
+    </a:ext>
+  </a:extLst>
+</a:theme>
 </file>